--- a/documents/HotelFinder.pptx
+++ b/documents/HotelFinder.pptx
@@ -1,52 +1,53 @@
 
 <file path=ppt/presentation.xml><?xml version="1.0" encoding="utf-8"?>
-<p:presentation xmlns:a="http://schemas.openxmlformats.org/drawingml/2006/main" xmlns:r="http://schemas.openxmlformats.org/officeDocument/2006/relationships" xmlns:p="http://schemas.openxmlformats.org/presentationml/2006/main" saveSubsetFonts="1" embedTrueTypeFonts="true">
+<p:presentation xmlns:a="http://schemas.openxmlformats.org/drawingml/2006/main" xmlns:r="http://schemas.openxmlformats.org/officeDocument/2006/relationships" xmlns:p="http://schemas.openxmlformats.org/presentationml/2006/main" embedTrueTypeFonts="1" saveSubsetFonts="1">
   <p:sldMasterIdLst>
     <p:sldMasterId id="2147483648" r:id="rId1"/>
   </p:sldMasterIdLst>
   <p:sldIdLst>
-    <p:sldId id="256" r:id="rId6"/>
-    <p:sldId id="257" r:id="rId7"/>
-    <p:sldId id="258" r:id="rId8"/>
-    <p:sldId id="259" r:id="rId9"/>
-    <p:sldId id="260" r:id="rId10"/>
-    <p:sldId id="261" r:id="rId11"/>
-    <p:sldId id="262" r:id="rId12"/>
+    <p:sldId id="256" r:id="rId2"/>
+    <p:sldId id="257" r:id="rId3"/>
+    <p:sldId id="258" r:id="rId4"/>
+    <p:sldId id="259" r:id="rId5"/>
+    <p:sldId id="260" r:id="rId6"/>
+    <p:sldId id="261" r:id="rId7"/>
+    <p:sldId id="262" r:id="rId8"/>
+    <p:sldId id="263" r:id="rId9"/>
   </p:sldIdLst>
   <p:sldSz cx="18288000" cy="10287000"/>
   <p:notesSz cx="6858000" cy="9144000"/>
   <p:embeddedFontLst>
     <p:embeddedFont>
-      <p:font typeface="Oswald Bold" charset="1" panose="00000800000000000000"/>
+      <p:font typeface="Canva Sans" panose="020B0604020202020204" charset="0"/>
+      <p:regular r:id="rId10"/>
+    </p:embeddedFont>
+    <p:embeddedFont>
+      <p:font typeface="Canva Sans Bold" panose="020B0604020202020204" charset="0"/>
+      <p:regular r:id="rId11"/>
+    </p:embeddedFont>
+    <p:embeddedFont>
+      <p:font typeface="DM Sans Italics" panose="020B0604020202020204" charset="0"/>
+      <p:regular r:id="rId12"/>
+    </p:embeddedFont>
+    <p:embeddedFont>
+      <p:font typeface="Montserrat Light" panose="00000400000000000000" pitchFamily="2" charset="0"/>
       <p:regular r:id="rId13"/>
     </p:embeddedFont>
     <p:embeddedFont>
-      <p:font typeface="DM Sans Italics" charset="1" panose="00000000000000000000"/>
+      <p:font typeface="Open Sauce" panose="020B0604020202020204" charset="0"/>
       <p:regular r:id="rId14"/>
     </p:embeddedFont>
     <p:embeddedFont>
-      <p:font typeface="Open Sauce Semi-Bold" charset="1" panose="00000700000000000000"/>
+      <p:font typeface="Open Sauce Bold" panose="020B0604020202020204" charset="0"/>
       <p:regular r:id="rId15"/>
     </p:embeddedFont>
     <p:embeddedFont>
-      <p:font typeface="Montserrat Light" charset="1" panose="00000400000000000000"/>
+      <p:font typeface="Open Sauce Semi-Bold" panose="020B0604020202020204" charset="0"/>
       <p:regular r:id="rId16"/>
     </p:embeddedFont>
     <p:embeddedFont>
-      <p:font typeface="Open Sauce" charset="1" panose="00000500000000000000"/>
+      <p:font typeface="Oswald Bold" panose="020B0604020202020204" charset="0"/>
       <p:regular r:id="rId17"/>
-    </p:embeddedFont>
-    <p:embeddedFont>
-      <p:font typeface="Open Sauce Bold" charset="1" panose="00000800000000000000"/>
-      <p:regular r:id="rId18"/>
-    </p:embeddedFont>
-    <p:embeddedFont>
-      <p:font typeface="Canva Sans" charset="1" panose="020B0503030501040103"/>
-      <p:regular r:id="rId19"/>
-    </p:embeddedFont>
-    <p:embeddedFont>
-      <p:font typeface="Canva Sans Bold" charset="1" panose="020B0803030501040103"/>
-      <p:regular r:id="rId20"/>
     </p:embeddedFont>
   </p:embeddedFontLst>
   <p:defaultTextStyle>
@@ -144,6 +145,22 @@
       </a:defRPr>
     </a:lvl9pPr>
   </p:defaultTextStyle>
+  <p:extLst>
+    <p:ext uri="{EFAFB233-063F-42B5-8137-9DF3F51BA10A}">
+      <p15:sldGuideLst xmlns:p15="http://schemas.microsoft.com/office/powerpoint/2012/main">
+        <p15:guide id="1" orient="horz" pos="2160">
+          <p15:clr>
+            <a:srgbClr val="A4A3A4"/>
+          </p15:clr>
+        </p15:guide>
+        <p15:guide id="2" pos="2880">
+          <p15:clr>
+            <a:srgbClr val="A4A3A4"/>
+          </p15:clr>
+        </p15:guide>
+      </p15:sldGuideLst>
+    </p:ext>
+  </p:extLst>
 </p:presentation>
 </file>
 
@@ -185,10 +202,9 @@
           <a:lstStyle/>
           <a:p>
             <a:r>
-              <a:rPr lang="en-US" smtClean="0"/>
+              <a:rPr lang="en-US"/>
               <a:t>Click to edit Master title style</a:t>
             </a:r>
-            <a:endParaRPr lang="en-US"/>
           </a:p>
         </p:txBody>
       </p:sp>
@@ -304,10 +320,9 @@
           </a:lstStyle>
           <a:p>
             <a:r>
-              <a:rPr lang="en-US" smtClean="0"/>
+              <a:rPr lang="en-US"/>
               <a:t>Click to edit Master subtitle style</a:t>
             </a:r>
-            <a:endParaRPr lang="en-US"/>
           </a:p>
         </p:txBody>
       </p:sp>
@@ -329,7 +344,7 @@
             <a:fld id="{1D8BD707-D9CF-40AE-B4C6-C98DA3205C09}" type="datetimeFigureOut">
               <a:rPr lang="en-US" smtClean="0"/>
               <a:pPr/>
-              <a:t>8/1/2011</a:t>
+              <a:t>8/23/2024</a:t>
             </a:fld>
             <a:endParaRPr lang="en-US"/>
           </a:p>
@@ -419,10 +434,9 @@
           <a:lstStyle/>
           <a:p>
             <a:r>
-              <a:rPr lang="en-US" smtClean="0"/>
+              <a:rPr lang="en-US"/>
               <a:t>Click to edit Master title style</a:t>
             </a:r>
-            <a:endParaRPr lang="en-US"/>
           </a:p>
         </p:txBody>
       </p:sp>
@@ -443,38 +457,37 @@
           <a:p>
             <a:pPr lvl="0"/>
             <a:r>
-              <a:rPr lang="en-US" smtClean="0"/>
+              <a:rPr lang="en-US"/>
               <a:t>Click to edit Master text styles</a:t>
             </a:r>
           </a:p>
           <a:p>
             <a:pPr lvl="1"/>
             <a:r>
-              <a:rPr lang="en-US" smtClean="0"/>
+              <a:rPr lang="en-US"/>
               <a:t>Second level</a:t>
             </a:r>
           </a:p>
           <a:p>
             <a:pPr lvl="2"/>
             <a:r>
-              <a:rPr lang="en-US" smtClean="0"/>
+              <a:rPr lang="en-US"/>
               <a:t>Third level</a:t>
             </a:r>
           </a:p>
           <a:p>
             <a:pPr lvl="3"/>
             <a:r>
-              <a:rPr lang="en-US" smtClean="0"/>
+              <a:rPr lang="en-US"/>
               <a:t>Fourth level</a:t>
             </a:r>
           </a:p>
           <a:p>
             <a:pPr lvl="4"/>
             <a:r>
-              <a:rPr lang="en-US" smtClean="0"/>
+              <a:rPr lang="en-US"/>
               <a:t>Fifth level</a:t>
             </a:r>
-            <a:endParaRPr lang="en-US"/>
           </a:p>
         </p:txBody>
       </p:sp>
@@ -496,7 +509,7 @@
             <a:fld id="{1D8BD707-D9CF-40AE-B4C6-C98DA3205C09}" type="datetimeFigureOut">
               <a:rPr lang="en-US" smtClean="0"/>
               <a:pPr/>
-              <a:t>8/1/2011</a:t>
+              <a:t>8/23/2024</a:t>
             </a:fld>
             <a:endParaRPr lang="en-US"/>
           </a:p>
@@ -591,10 +604,9 @@
           <a:lstStyle/>
           <a:p>
             <a:r>
-              <a:rPr lang="en-US" smtClean="0"/>
+              <a:rPr lang="en-US"/>
               <a:t>Click to edit Master title style</a:t>
             </a:r>
-            <a:endParaRPr lang="en-US"/>
           </a:p>
         </p:txBody>
       </p:sp>
@@ -620,38 +632,37 @@
           <a:p>
             <a:pPr lvl="0"/>
             <a:r>
-              <a:rPr lang="en-US" smtClean="0"/>
+              <a:rPr lang="en-US"/>
               <a:t>Click to edit Master text styles</a:t>
             </a:r>
           </a:p>
           <a:p>
             <a:pPr lvl="1"/>
             <a:r>
-              <a:rPr lang="en-US" smtClean="0"/>
+              <a:rPr lang="en-US"/>
               <a:t>Second level</a:t>
             </a:r>
           </a:p>
           <a:p>
             <a:pPr lvl="2"/>
             <a:r>
-              <a:rPr lang="en-US" smtClean="0"/>
+              <a:rPr lang="en-US"/>
               <a:t>Third level</a:t>
             </a:r>
           </a:p>
           <a:p>
             <a:pPr lvl="3"/>
             <a:r>
-              <a:rPr lang="en-US" smtClean="0"/>
+              <a:rPr lang="en-US"/>
               <a:t>Fourth level</a:t>
             </a:r>
           </a:p>
           <a:p>
             <a:pPr lvl="4"/>
             <a:r>
-              <a:rPr lang="en-US" smtClean="0"/>
+              <a:rPr lang="en-US"/>
               <a:t>Fifth level</a:t>
             </a:r>
-            <a:endParaRPr lang="en-US"/>
           </a:p>
         </p:txBody>
       </p:sp>
@@ -673,7 +684,7 @@
             <a:fld id="{1D8BD707-D9CF-40AE-B4C6-C98DA3205C09}" type="datetimeFigureOut">
               <a:rPr lang="en-US" smtClean="0"/>
               <a:pPr/>
-              <a:t>8/1/2011</a:t>
+              <a:t>8/23/2024</a:t>
             </a:fld>
             <a:endParaRPr lang="en-US"/>
           </a:p>
@@ -763,10 +774,9 @@
           <a:lstStyle/>
           <a:p>
             <a:r>
-              <a:rPr lang="en-US" smtClean="0"/>
+              <a:rPr lang="en-US"/>
               <a:t>Click to edit Master title style</a:t>
             </a:r>
-            <a:endParaRPr lang="en-US"/>
           </a:p>
         </p:txBody>
       </p:sp>
@@ -787,38 +797,37 @@
           <a:p>
             <a:pPr lvl="0"/>
             <a:r>
-              <a:rPr lang="en-US" smtClean="0"/>
+              <a:rPr lang="en-US"/>
               <a:t>Click to edit Master text styles</a:t>
             </a:r>
           </a:p>
           <a:p>
             <a:pPr lvl="1"/>
             <a:r>
-              <a:rPr lang="en-US" smtClean="0"/>
+              <a:rPr lang="en-US"/>
               <a:t>Second level</a:t>
             </a:r>
           </a:p>
           <a:p>
             <a:pPr lvl="2"/>
             <a:r>
-              <a:rPr lang="en-US" smtClean="0"/>
+              <a:rPr lang="en-US"/>
               <a:t>Third level</a:t>
             </a:r>
           </a:p>
           <a:p>
             <a:pPr lvl="3"/>
             <a:r>
-              <a:rPr lang="en-US" smtClean="0"/>
+              <a:rPr lang="en-US"/>
               <a:t>Fourth level</a:t>
             </a:r>
           </a:p>
           <a:p>
             <a:pPr lvl="4"/>
             <a:r>
-              <a:rPr lang="en-US" smtClean="0"/>
+              <a:rPr lang="en-US"/>
               <a:t>Fifth level</a:t>
             </a:r>
-            <a:endParaRPr lang="en-US"/>
           </a:p>
         </p:txBody>
       </p:sp>
@@ -840,7 +849,7 @@
             <a:fld id="{1D8BD707-D9CF-40AE-B4C6-C98DA3205C09}" type="datetimeFigureOut">
               <a:rPr lang="en-US" smtClean="0"/>
               <a:pPr/>
-              <a:t>8/1/2011</a:t>
+              <a:t>8/23/2024</a:t>
             </a:fld>
             <a:endParaRPr lang="en-US"/>
           </a:p>
@@ -939,10 +948,9 @@
           </a:lstStyle>
           <a:p>
             <a:r>
-              <a:rPr lang="en-US" smtClean="0"/>
+              <a:rPr lang="en-US"/>
               <a:t>Click to edit Master title style</a:t>
             </a:r>
-            <a:endParaRPr lang="en-US"/>
           </a:p>
         </p:txBody>
       </p:sp>
@@ -1059,7 +1067,7 @@
           <a:p>
             <a:pPr lvl="0"/>
             <a:r>
-              <a:rPr lang="en-US" smtClean="0"/>
+              <a:rPr lang="en-US"/>
               <a:t>Click to edit Master text styles</a:t>
             </a:r>
           </a:p>
@@ -1083,7 +1091,7 @@
             <a:fld id="{1D8BD707-D9CF-40AE-B4C6-C98DA3205C09}" type="datetimeFigureOut">
               <a:rPr lang="en-US" smtClean="0"/>
               <a:pPr/>
-              <a:t>8/1/2011</a:t>
+              <a:t>8/23/2024</a:t>
             </a:fld>
             <a:endParaRPr lang="en-US"/>
           </a:p>
@@ -1173,10 +1181,9 @@
           <a:lstStyle/>
           <a:p>
             <a:r>
-              <a:rPr lang="en-US" smtClean="0"/>
+              <a:rPr lang="en-US"/>
               <a:t>Click to edit Master title style</a:t>
             </a:r>
-            <a:endParaRPr lang="en-US"/>
           </a:p>
         </p:txBody>
       </p:sp>
@@ -1230,38 +1237,37 @@
           <a:p>
             <a:pPr lvl="0"/>
             <a:r>
-              <a:rPr lang="en-US" smtClean="0"/>
+              <a:rPr lang="en-US"/>
               <a:t>Click to edit Master text styles</a:t>
             </a:r>
           </a:p>
           <a:p>
             <a:pPr lvl="1"/>
             <a:r>
-              <a:rPr lang="en-US" smtClean="0"/>
+              <a:rPr lang="en-US"/>
               <a:t>Second level</a:t>
             </a:r>
           </a:p>
           <a:p>
             <a:pPr lvl="2"/>
             <a:r>
-              <a:rPr lang="en-US" smtClean="0"/>
+              <a:rPr lang="en-US"/>
               <a:t>Third level</a:t>
             </a:r>
           </a:p>
           <a:p>
             <a:pPr lvl="3"/>
             <a:r>
-              <a:rPr lang="en-US" smtClean="0"/>
+              <a:rPr lang="en-US"/>
               <a:t>Fourth level</a:t>
             </a:r>
           </a:p>
           <a:p>
             <a:pPr lvl="4"/>
             <a:r>
-              <a:rPr lang="en-US" smtClean="0"/>
+              <a:rPr lang="en-US"/>
               <a:t>Fifth level</a:t>
             </a:r>
-            <a:endParaRPr lang="en-US"/>
           </a:p>
         </p:txBody>
       </p:sp>
@@ -1315,38 +1321,37 @@
           <a:p>
             <a:pPr lvl="0"/>
             <a:r>
-              <a:rPr lang="en-US" smtClean="0"/>
+              <a:rPr lang="en-US"/>
               <a:t>Click to edit Master text styles</a:t>
             </a:r>
           </a:p>
           <a:p>
             <a:pPr lvl="1"/>
             <a:r>
-              <a:rPr lang="en-US" smtClean="0"/>
+              <a:rPr lang="en-US"/>
               <a:t>Second level</a:t>
             </a:r>
           </a:p>
           <a:p>
             <a:pPr lvl="2"/>
             <a:r>
-              <a:rPr lang="en-US" smtClean="0"/>
+              <a:rPr lang="en-US"/>
               <a:t>Third level</a:t>
             </a:r>
           </a:p>
           <a:p>
             <a:pPr lvl="3"/>
             <a:r>
-              <a:rPr lang="en-US" smtClean="0"/>
+              <a:rPr lang="en-US"/>
               <a:t>Fourth level</a:t>
             </a:r>
           </a:p>
           <a:p>
             <a:pPr lvl="4"/>
             <a:r>
-              <a:rPr lang="en-US" smtClean="0"/>
+              <a:rPr lang="en-US"/>
               <a:t>Fifth level</a:t>
             </a:r>
-            <a:endParaRPr lang="en-US"/>
           </a:p>
         </p:txBody>
       </p:sp>
@@ -1368,7 +1373,7 @@
             <a:fld id="{1D8BD707-D9CF-40AE-B4C6-C98DA3205C09}" type="datetimeFigureOut">
               <a:rPr lang="en-US" smtClean="0"/>
               <a:pPr/>
-              <a:t>8/1/2011</a:t>
+              <a:t>8/23/2024</a:t>
             </a:fld>
             <a:endParaRPr lang="en-US"/>
           </a:p>
@@ -1462,10 +1467,9 @@
           </a:lstStyle>
           <a:p>
             <a:r>
-              <a:rPr lang="en-US" smtClean="0"/>
+              <a:rPr lang="en-US"/>
               <a:t>Click to edit Master title style</a:t>
             </a:r>
-            <a:endParaRPr lang="en-US"/>
           </a:p>
         </p:txBody>
       </p:sp>
@@ -1528,7 +1532,7 @@
           <a:p>
             <a:pPr lvl="0"/>
             <a:r>
-              <a:rPr lang="en-US" smtClean="0"/>
+              <a:rPr lang="en-US"/>
               <a:t>Click to edit Master text styles</a:t>
             </a:r>
           </a:p>
@@ -1584,38 +1588,37 @@
           <a:p>
             <a:pPr lvl="0"/>
             <a:r>
-              <a:rPr lang="en-US" smtClean="0"/>
+              <a:rPr lang="en-US"/>
               <a:t>Click to edit Master text styles</a:t>
             </a:r>
           </a:p>
           <a:p>
             <a:pPr lvl="1"/>
             <a:r>
-              <a:rPr lang="en-US" smtClean="0"/>
+              <a:rPr lang="en-US"/>
               <a:t>Second level</a:t>
             </a:r>
           </a:p>
           <a:p>
             <a:pPr lvl="2"/>
             <a:r>
-              <a:rPr lang="en-US" smtClean="0"/>
+              <a:rPr lang="en-US"/>
               <a:t>Third level</a:t>
             </a:r>
           </a:p>
           <a:p>
             <a:pPr lvl="3"/>
             <a:r>
-              <a:rPr lang="en-US" smtClean="0"/>
+              <a:rPr lang="en-US"/>
               <a:t>Fourth level</a:t>
             </a:r>
           </a:p>
           <a:p>
             <a:pPr lvl="4"/>
             <a:r>
-              <a:rPr lang="en-US" smtClean="0"/>
+              <a:rPr lang="en-US"/>
               <a:t>Fifth level</a:t>
             </a:r>
-            <a:endParaRPr lang="en-US"/>
           </a:p>
         </p:txBody>
       </p:sp>
@@ -1678,7 +1681,7 @@
           <a:p>
             <a:pPr lvl="0"/>
             <a:r>
-              <a:rPr lang="en-US" smtClean="0"/>
+              <a:rPr lang="en-US"/>
               <a:t>Click to edit Master text styles</a:t>
             </a:r>
           </a:p>
@@ -1734,38 +1737,37 @@
           <a:p>
             <a:pPr lvl="0"/>
             <a:r>
-              <a:rPr lang="en-US" smtClean="0"/>
+              <a:rPr lang="en-US"/>
               <a:t>Click to edit Master text styles</a:t>
             </a:r>
           </a:p>
           <a:p>
             <a:pPr lvl="1"/>
             <a:r>
-              <a:rPr lang="en-US" smtClean="0"/>
+              <a:rPr lang="en-US"/>
               <a:t>Second level</a:t>
             </a:r>
           </a:p>
           <a:p>
             <a:pPr lvl="2"/>
             <a:r>
-              <a:rPr lang="en-US" smtClean="0"/>
+              <a:rPr lang="en-US"/>
               <a:t>Third level</a:t>
             </a:r>
           </a:p>
           <a:p>
             <a:pPr lvl="3"/>
             <a:r>
-              <a:rPr lang="en-US" smtClean="0"/>
+              <a:rPr lang="en-US"/>
               <a:t>Fourth level</a:t>
             </a:r>
           </a:p>
           <a:p>
             <a:pPr lvl="4"/>
             <a:r>
-              <a:rPr lang="en-US" smtClean="0"/>
+              <a:rPr lang="en-US"/>
               <a:t>Fifth level</a:t>
             </a:r>
-            <a:endParaRPr lang="en-US"/>
           </a:p>
         </p:txBody>
       </p:sp>
@@ -1787,7 +1789,7 @@
             <a:fld id="{1D8BD707-D9CF-40AE-B4C6-C98DA3205C09}" type="datetimeFigureOut">
               <a:rPr lang="en-US" smtClean="0"/>
               <a:pPr/>
-              <a:t>8/1/2011</a:t>
+              <a:t>8/23/2024</a:t>
             </a:fld>
             <a:endParaRPr lang="en-US"/>
           </a:p>
@@ -1877,10 +1879,9 @@
           <a:lstStyle/>
           <a:p>
             <a:r>
-              <a:rPr lang="en-US" smtClean="0"/>
+              <a:rPr lang="en-US"/>
               <a:t>Click to edit Master title style</a:t>
             </a:r>
-            <a:endParaRPr lang="en-US"/>
           </a:p>
         </p:txBody>
       </p:sp>
@@ -1902,7 +1903,7 @@
             <a:fld id="{1D8BD707-D9CF-40AE-B4C6-C98DA3205C09}" type="datetimeFigureOut">
               <a:rPr lang="en-US" smtClean="0"/>
               <a:pPr/>
-              <a:t>8/1/2011</a:t>
+              <a:t>8/23/2024</a:t>
             </a:fld>
             <a:endParaRPr lang="en-US"/>
           </a:p>
@@ -1994,7 +1995,7 @@
             <a:fld id="{1D8BD707-D9CF-40AE-B4C6-C98DA3205C09}" type="datetimeFigureOut">
               <a:rPr lang="en-US" smtClean="0"/>
               <a:pPr/>
-              <a:t>8/1/2011</a:t>
+              <a:t>8/23/2024</a:t>
             </a:fld>
             <a:endParaRPr lang="en-US"/>
           </a:p>
@@ -2093,10 +2094,9 @@
           </a:lstStyle>
           <a:p>
             <a:r>
-              <a:rPr lang="en-US" smtClean="0"/>
+              <a:rPr lang="en-US"/>
               <a:t>Click to edit Master title style</a:t>
             </a:r>
-            <a:endParaRPr lang="en-US"/>
           </a:p>
         </p:txBody>
       </p:sp>
@@ -2150,38 +2150,37 @@
           <a:p>
             <a:pPr lvl="0"/>
             <a:r>
-              <a:rPr lang="en-US" smtClean="0"/>
+              <a:rPr lang="en-US"/>
               <a:t>Click to edit Master text styles</a:t>
             </a:r>
           </a:p>
           <a:p>
             <a:pPr lvl="1"/>
             <a:r>
-              <a:rPr lang="en-US" smtClean="0"/>
+              <a:rPr lang="en-US"/>
               <a:t>Second level</a:t>
             </a:r>
           </a:p>
           <a:p>
             <a:pPr lvl="2"/>
             <a:r>
-              <a:rPr lang="en-US" smtClean="0"/>
+              <a:rPr lang="en-US"/>
               <a:t>Third level</a:t>
             </a:r>
           </a:p>
           <a:p>
             <a:pPr lvl="3"/>
             <a:r>
-              <a:rPr lang="en-US" smtClean="0"/>
+              <a:rPr lang="en-US"/>
               <a:t>Fourth level</a:t>
             </a:r>
           </a:p>
           <a:p>
             <a:pPr lvl="4"/>
             <a:r>
-              <a:rPr lang="en-US" smtClean="0"/>
+              <a:rPr lang="en-US"/>
               <a:t>Fifth level</a:t>
             </a:r>
-            <a:endParaRPr lang="en-US"/>
           </a:p>
         </p:txBody>
       </p:sp>
@@ -2244,7 +2243,7 @@
           <a:p>
             <a:pPr lvl="0"/>
             <a:r>
-              <a:rPr lang="en-US" smtClean="0"/>
+              <a:rPr lang="en-US"/>
               <a:t>Click to edit Master text styles</a:t>
             </a:r>
           </a:p>
@@ -2268,7 +2267,7 @@
             <a:fld id="{1D8BD707-D9CF-40AE-B4C6-C98DA3205C09}" type="datetimeFigureOut">
               <a:rPr lang="en-US" smtClean="0"/>
               <a:pPr/>
-              <a:t>8/1/2011</a:t>
+              <a:t>8/23/2024</a:t>
             </a:fld>
             <a:endParaRPr lang="en-US"/>
           </a:p>
@@ -2367,10 +2366,9 @@
           </a:lstStyle>
           <a:p>
             <a:r>
-              <a:rPr lang="en-US" smtClean="0"/>
+              <a:rPr lang="en-US"/>
               <a:t>Click to edit Master title style</a:t>
             </a:r>
-            <a:endParaRPr lang="en-US"/>
           </a:p>
         </p:txBody>
       </p:sp>
@@ -2494,7 +2492,7 @@
           <a:p>
             <a:pPr lvl="0"/>
             <a:r>
-              <a:rPr lang="en-US" smtClean="0"/>
+              <a:rPr lang="en-US"/>
               <a:t>Click to edit Master text styles</a:t>
             </a:r>
           </a:p>
@@ -2518,7 +2516,7 @@
             <a:fld id="{1D8BD707-D9CF-40AE-B4C6-C98DA3205C09}" type="datetimeFigureOut">
               <a:rPr lang="en-US" smtClean="0"/>
               <a:pPr/>
-              <a:t>8/1/2011</a:t>
+              <a:t>8/23/2024</a:t>
             </a:fld>
             <a:endParaRPr lang="en-US"/>
           </a:p>
@@ -2623,10 +2621,9 @@
           <a:lstStyle/>
           <a:p>
             <a:r>
-              <a:rPr lang="en-US" smtClean="0"/>
+              <a:rPr lang="en-US"/>
               <a:t>Click to edit Master title style</a:t>
             </a:r>
-            <a:endParaRPr lang="en-US"/>
           </a:p>
         </p:txBody>
       </p:sp>
@@ -2657,38 +2654,37 @@
           <a:p>
             <a:pPr lvl="0"/>
             <a:r>
-              <a:rPr lang="en-US" smtClean="0"/>
+              <a:rPr lang="en-US"/>
               <a:t>Click to edit Master text styles</a:t>
             </a:r>
           </a:p>
           <a:p>
             <a:pPr lvl="1"/>
             <a:r>
-              <a:rPr lang="en-US" smtClean="0"/>
+              <a:rPr lang="en-US"/>
               <a:t>Second level</a:t>
             </a:r>
           </a:p>
           <a:p>
             <a:pPr lvl="2"/>
             <a:r>
-              <a:rPr lang="en-US" smtClean="0"/>
+              <a:rPr lang="en-US"/>
               <a:t>Third level</a:t>
             </a:r>
           </a:p>
           <a:p>
             <a:pPr lvl="3"/>
             <a:r>
-              <a:rPr lang="en-US" smtClean="0"/>
+              <a:rPr lang="en-US"/>
               <a:t>Fourth level</a:t>
             </a:r>
           </a:p>
           <a:p>
             <a:pPr lvl="4"/>
             <a:r>
-              <a:rPr lang="en-US" smtClean="0"/>
+              <a:rPr lang="en-US"/>
               <a:t>Fifth level</a:t>
             </a:r>
-            <a:endParaRPr lang="en-US"/>
           </a:p>
         </p:txBody>
       </p:sp>
@@ -2728,7 +2724,7 @@
             <a:fld id="{1D8BD707-D9CF-40AE-B4C6-C98DA3205C09}" type="datetimeFigureOut">
               <a:rPr lang="en-US" smtClean="0"/>
               <a:pPr/>
-              <a:t>8/1/2011</a:t>
+              <a:t>8/23/2024</a:t>
             </a:fld>
             <a:endParaRPr lang="en-US"/>
           </a:p>
@@ -3083,7 +3079,7 @@
 </file>
 
 <file path=ppt/slides/slide1.xml><?xml version="1.0" encoding="utf-8"?>
-<p:sld xmlns:p="http://schemas.openxmlformats.org/presentationml/2006/main" xmlns:a="http://schemas.openxmlformats.org/drawingml/2006/main" xmlns:r="http://schemas.openxmlformats.org/officeDocument/2006/relationships">
+<p:sld xmlns:a="http://schemas.openxmlformats.org/drawingml/2006/main" xmlns:r="http://schemas.openxmlformats.org/officeDocument/2006/relationships" xmlns:p="http://schemas.openxmlformats.org/presentationml/2006/main">
   <p:cSld>
     <p:spTree>
       <p:nvGrpSpPr>
@@ -3101,12 +3097,12 @@
       </p:grpSpPr>
       <p:sp>
         <p:nvSpPr>
-          <p:cNvPr name="Freeform 2" id="2"/>
+          <p:cNvPr id="2" name="Freeform 2"/>
           <p:cNvSpPr/>
           <p:nvPr/>
         </p:nvSpPr>
         <p:spPr>
-          <a:xfrm flipH="true" flipV="true" rot="0">
+          <a:xfrm flipH="1" flipV="1">
             <a:off x="0" y="0"/>
             <a:ext cx="18288000" cy="10287000"/>
           </a:xfrm>
@@ -3115,9 +3111,9 @@
             <a:gdLst/>
             <a:ahLst/>
             <a:cxnLst/>
-            <a:rect r="r" b="b" t="t" l="l"/>
+            <a:rect l="l" t="t" r="r" b="b"/>
             <a:pathLst>
-              <a:path h="10287000" w="18288000">
+              <a:path w="18288000" h="10287000">
                 <a:moveTo>
                   <a:pt x="18288000" y="10287000"/>
                 </a:moveTo>
@@ -3140,19 +3136,19 @@
           <a:blipFill>
             <a:blip r:embed="rId2"/>
             <a:stretch>
-              <a:fillRect l="0" t="-38888" r="0" b="-38888"/>
+              <a:fillRect t="-38888" b="-38888"/>
             </a:stretch>
           </a:blipFill>
         </p:spPr>
       </p:sp>
       <p:sp>
         <p:nvSpPr>
-          <p:cNvPr name="Freeform 3" id="3"/>
+          <p:cNvPr id="3" name="Freeform 3"/>
           <p:cNvSpPr/>
           <p:nvPr/>
         </p:nvSpPr>
         <p:spPr>
-          <a:xfrm flipH="false" flipV="false" rot="7659121">
+          <a:xfrm rot="7659121">
             <a:off x="15091031" y="5585714"/>
             <a:ext cx="7629294" cy="7828566"/>
           </a:xfrm>
@@ -3161,9 +3157,9 @@
             <a:gdLst/>
             <a:ahLst/>
             <a:cxnLst/>
-            <a:rect r="r" b="b" t="t" l="l"/>
+            <a:rect l="l" t="t" r="r" b="b"/>
             <a:pathLst>
-              <a:path h="7828566" w="7629294">
+              <a:path w="7629294" h="7828566">
                 <a:moveTo>
                   <a:pt x="0" y="0"/>
                 </a:moveTo>
@@ -3192,19 +3188,19 @@
               </a:extLst>
             </a:blip>
             <a:stretch>
-              <a:fillRect l="0" t="0" r="0" b="0"/>
+              <a:fillRect/>
             </a:stretch>
           </a:blipFill>
         </p:spPr>
       </p:sp>
       <p:sp>
         <p:nvSpPr>
-          <p:cNvPr name="Freeform 4" id="4"/>
+          <p:cNvPr id="4" name="Freeform 4"/>
           <p:cNvSpPr/>
           <p:nvPr/>
         </p:nvSpPr>
         <p:spPr>
-          <a:xfrm flipH="false" flipV="false" rot="0">
+          <a:xfrm>
             <a:off x="-3258071" y="-4629150"/>
             <a:ext cx="9022634" cy="9258300"/>
           </a:xfrm>
@@ -3213,9 +3209,9 @@
             <a:gdLst/>
             <a:ahLst/>
             <a:cxnLst/>
-            <a:rect r="r" b="b" t="t" l="l"/>
+            <a:rect l="l" t="t" r="r" b="b"/>
             <a:pathLst>
-              <a:path h="9258300" w="9022634">
+              <a:path w="9022634" h="9258300">
                 <a:moveTo>
                   <a:pt x="0" y="0"/>
                 </a:moveTo>
@@ -3244,19 +3240,19 @@
               </a:extLst>
             </a:blip>
             <a:stretch>
-              <a:fillRect l="0" t="0" r="0" b="0"/>
+              <a:fillRect/>
             </a:stretch>
           </a:blipFill>
         </p:spPr>
       </p:sp>
       <p:grpSp>
         <p:nvGrpSpPr>
-          <p:cNvPr name="Group 5" id="5"/>
+          <p:cNvPr id="5" name="Group 5"/>
           <p:cNvGrpSpPr/>
           <p:nvPr/>
         </p:nvGrpSpPr>
         <p:grpSpPr>
-          <a:xfrm rot="0">
+          <a:xfrm>
             <a:off x="4236347" y="3202251"/>
             <a:ext cx="9815307" cy="4524958"/>
             <a:chOff x="0" y="0"/>
@@ -3265,12 +3261,12 @@
         </p:grpSpPr>
         <p:sp>
           <p:nvSpPr>
-            <p:cNvPr name="Freeform 6" id="6"/>
+            <p:cNvPr id="6" name="Freeform 6"/>
             <p:cNvSpPr/>
             <p:nvPr/>
           </p:nvSpPr>
           <p:spPr>
-            <a:xfrm flipH="false" flipV="false" rot="0">
+            <a:xfrm>
               <a:off x="0" y="0"/>
               <a:ext cx="1895495" cy="873843"/>
             </a:xfrm>
@@ -3279,9 +3275,9 @@
               <a:gdLst/>
               <a:ahLst/>
               <a:cxnLst/>
-              <a:rect r="r" b="b" t="t" l="l"/>
+              <a:rect l="l" t="t" r="r" b="b"/>
               <a:pathLst>
-                <a:path h="873843" w="1895495">
+                <a:path w="1895495" h="873843">
                   <a:moveTo>
                     <a:pt x="0" y="0"/>
                   </a:moveTo>
@@ -3314,8 +3310,8 @@
         </p:sp>
         <p:sp>
           <p:nvSpPr>
-            <p:cNvPr name="TextBox 7" id="7"/>
-            <p:cNvSpPr txBox="true"/>
+            <p:cNvPr id="7" name="TextBox 7"/>
+            <p:cNvSpPr txBox="1"/>
             <p:nvPr/>
           </p:nvSpPr>
           <p:spPr>
@@ -3328,7 +3324,7 @@
             </a:prstGeom>
           </p:spPr>
           <p:txBody>
-            <a:bodyPr anchor="ctr" rtlCol="false" tIns="50800" lIns="50800" bIns="50800" rIns="50800"/>
+            <a:bodyPr lIns="50800" tIns="50800" rIns="50800" bIns="50800" rtlCol="0" anchor="ctr"/>
             <a:lstStyle/>
             <a:p>
               <a:pPr algn="ctr">
@@ -3336,18 +3332,19 @@
                   <a:spcPts val="2859"/>
                 </a:lnSpc>
               </a:pPr>
+              <a:endParaRPr/>
             </a:p>
           </p:txBody>
         </p:sp>
       </p:grpSp>
       <p:sp>
         <p:nvSpPr>
-          <p:cNvPr name="TextBox 8" id="8"/>
-          <p:cNvSpPr txBox="true"/>
+          <p:cNvPr id="8" name="TextBox 8"/>
+          <p:cNvSpPr txBox="1"/>
           <p:nvPr/>
         </p:nvSpPr>
         <p:spPr>
-          <a:xfrm rot="0">
+          <a:xfrm>
             <a:off x="4236347" y="4472611"/>
             <a:ext cx="9815307" cy="2948030"/>
           </a:xfrm>
@@ -3356,7 +3353,7 @@
           </a:prstGeom>
         </p:spPr>
         <p:txBody>
-          <a:bodyPr anchor="t" rtlCol="false" tIns="0" lIns="0" bIns="0" rIns="0">
+          <a:bodyPr lIns="0" tIns="0" rIns="0" bIns="0" rtlCol="0" anchor="t">
             <a:spAutoFit/>
           </a:bodyPr>
           <a:lstStyle/>
@@ -3383,12 +3380,12 @@
       </p:sp>
       <p:sp>
         <p:nvSpPr>
-          <p:cNvPr name="TextBox 9" id="9"/>
-          <p:cNvSpPr txBox="true"/>
+          <p:cNvPr id="9" name="TextBox 9"/>
+          <p:cNvSpPr txBox="1"/>
           <p:nvPr/>
         </p:nvSpPr>
         <p:spPr>
-          <a:xfrm rot="0">
+          <a:xfrm>
             <a:off x="4236347" y="3438109"/>
             <a:ext cx="9815307" cy="1186902"/>
           </a:xfrm>
@@ -3397,7 +3394,7 @@
           </a:prstGeom>
         </p:spPr>
         <p:txBody>
-          <a:bodyPr anchor="t" rtlCol="false" tIns="0" lIns="0" bIns="0" rIns="0">
+          <a:bodyPr lIns="0" tIns="0" rIns="0" bIns="0" rtlCol="0" anchor="t">
             <a:spAutoFit/>
           </a:bodyPr>
           <a:lstStyle/>
@@ -3431,7 +3428,7 @@
 </file>
 
 <file path=ppt/slides/slide2.xml><?xml version="1.0" encoding="utf-8"?>
-<p:sld xmlns:p="http://schemas.openxmlformats.org/presentationml/2006/main" xmlns:a="http://schemas.openxmlformats.org/drawingml/2006/main" xmlns:r="http://schemas.openxmlformats.org/officeDocument/2006/relationships">
+<p:sld xmlns:a="http://schemas.openxmlformats.org/drawingml/2006/main" xmlns:r="http://schemas.openxmlformats.org/officeDocument/2006/relationships" xmlns:p="http://schemas.openxmlformats.org/presentationml/2006/main">
   <p:cSld>
     <p:spTree>
       <p:nvGrpSpPr>
@@ -3449,12 +3446,12 @@
       </p:grpSpPr>
       <p:sp>
         <p:nvSpPr>
-          <p:cNvPr name="Freeform 2" id="2"/>
+          <p:cNvPr id="2" name="Freeform 2"/>
           <p:cNvSpPr/>
           <p:nvPr/>
         </p:nvSpPr>
         <p:spPr>
-          <a:xfrm flipH="true" flipV="true" rot="0">
+          <a:xfrm flipH="1" flipV="1">
             <a:off x="0" y="0"/>
             <a:ext cx="18288000" cy="10287000"/>
           </a:xfrm>
@@ -3463,9 +3460,9 @@
             <a:gdLst/>
             <a:ahLst/>
             <a:cxnLst/>
-            <a:rect r="r" b="b" t="t" l="l"/>
+            <a:rect l="l" t="t" r="r" b="b"/>
             <a:pathLst>
-              <a:path h="10287000" w="18288000">
+              <a:path w="18288000" h="10287000">
                 <a:moveTo>
                   <a:pt x="18288000" y="10287000"/>
                 </a:moveTo>
@@ -3488,19 +3485,19 @@
           <a:blipFill>
             <a:blip r:embed="rId2"/>
             <a:stretch>
-              <a:fillRect l="0" t="-38888" r="0" b="-38888"/>
+              <a:fillRect t="-38888" b="-38888"/>
             </a:stretch>
           </a:blipFill>
         </p:spPr>
       </p:sp>
       <p:grpSp>
         <p:nvGrpSpPr>
-          <p:cNvPr name="Group 3" id="3"/>
+          <p:cNvPr id="3" name="Group 3"/>
           <p:cNvGrpSpPr/>
           <p:nvPr/>
         </p:nvGrpSpPr>
         <p:grpSpPr>
-          <a:xfrm rot="0">
+          <a:xfrm>
             <a:off x="0" y="0"/>
             <a:ext cx="18288000" cy="3086100"/>
             <a:chOff x="0" y="0"/>
@@ -3509,12 +3506,12 @@
         </p:grpSpPr>
         <p:sp>
           <p:nvSpPr>
-            <p:cNvPr name="Freeform 4" id="4"/>
+            <p:cNvPr id="4" name="Freeform 4"/>
             <p:cNvSpPr/>
             <p:nvPr/>
           </p:nvSpPr>
           <p:spPr>
-            <a:xfrm flipH="false" flipV="false" rot="0">
+            <a:xfrm>
               <a:off x="0" y="0"/>
               <a:ext cx="4816592" cy="812800"/>
             </a:xfrm>
@@ -3523,9 +3520,9 @@
               <a:gdLst/>
               <a:ahLst/>
               <a:cxnLst/>
-              <a:rect r="r" b="b" t="t" l="l"/>
+              <a:rect l="l" t="t" r="r" b="b"/>
               <a:pathLst>
-                <a:path h="812800" w="4816592">
+                <a:path w="4816592" h="812800">
                   <a:moveTo>
                     <a:pt x="0" y="0"/>
                   </a:moveTo>
@@ -3549,8 +3546,8 @@
         </p:sp>
         <p:sp>
           <p:nvSpPr>
-            <p:cNvPr name="TextBox 5" id="5"/>
-            <p:cNvSpPr txBox="true"/>
+            <p:cNvPr id="5" name="TextBox 5"/>
+            <p:cNvSpPr txBox="1"/>
             <p:nvPr/>
           </p:nvSpPr>
           <p:spPr>
@@ -3563,7 +3560,7 @@
             </a:prstGeom>
           </p:spPr>
           <p:txBody>
-            <a:bodyPr anchor="ctr" rtlCol="false" tIns="50800" lIns="50800" bIns="50800" rIns="50800"/>
+            <a:bodyPr lIns="50800" tIns="50800" rIns="50800" bIns="50800" rtlCol="0" anchor="ctr"/>
             <a:lstStyle/>
             <a:p>
               <a:pPr algn="ctr">
@@ -3571,18 +3568,19 @@
                   <a:spcPts val="2859"/>
                 </a:lnSpc>
               </a:pPr>
+              <a:endParaRPr/>
             </a:p>
           </p:txBody>
         </p:sp>
       </p:grpSp>
       <p:sp>
         <p:nvSpPr>
-          <p:cNvPr name="Freeform 6" id="6"/>
+          <p:cNvPr id="6" name="Freeform 6"/>
           <p:cNvSpPr/>
           <p:nvPr/>
         </p:nvSpPr>
         <p:spPr>
-          <a:xfrm flipH="false" flipV="false" rot="0">
+          <a:xfrm>
             <a:off x="13451022" y="-4729397"/>
             <a:ext cx="7616557" cy="7815497"/>
           </a:xfrm>
@@ -3591,9 +3589,9 @@
             <a:gdLst/>
             <a:ahLst/>
             <a:cxnLst/>
-            <a:rect r="r" b="b" t="t" l="l"/>
+            <a:rect l="l" t="t" r="r" b="b"/>
             <a:pathLst>
-              <a:path h="7815497" w="7616557">
+              <a:path w="7616557" h="7815497">
                 <a:moveTo>
                   <a:pt x="0" y="0"/>
                 </a:moveTo>
@@ -3622,19 +3620,19 @@
               </a:extLst>
             </a:blip>
             <a:stretch>
-              <a:fillRect l="0" t="0" r="0" b="0"/>
+              <a:fillRect/>
             </a:stretch>
           </a:blipFill>
         </p:spPr>
       </p:sp>
       <p:sp>
         <p:nvSpPr>
-          <p:cNvPr name="Freeform 7" id="7"/>
+          <p:cNvPr id="7" name="Freeform 7"/>
           <p:cNvSpPr/>
           <p:nvPr/>
         </p:nvSpPr>
         <p:spPr>
-          <a:xfrm flipH="false" flipV="false" rot="0">
+          <a:xfrm>
             <a:off x="-2851369" y="-3442596"/>
             <a:ext cx="6709932" cy="6885191"/>
           </a:xfrm>
@@ -3643,9 +3641,9 @@
             <a:gdLst/>
             <a:ahLst/>
             <a:cxnLst/>
-            <a:rect r="r" b="b" t="t" l="l"/>
+            <a:rect l="l" t="t" r="r" b="b"/>
             <a:pathLst>
-              <a:path h="6885191" w="6709932">
+              <a:path w="6709932" h="6885191">
                 <a:moveTo>
                   <a:pt x="0" y="0"/>
                 </a:moveTo>
@@ -3674,19 +3672,19 @@
               </a:extLst>
             </a:blip>
             <a:stretch>
-              <a:fillRect l="0" t="0" r="0" b="0"/>
+              <a:fillRect/>
             </a:stretch>
           </a:blipFill>
         </p:spPr>
       </p:sp>
       <p:grpSp>
         <p:nvGrpSpPr>
-          <p:cNvPr name="Group 8" id="8"/>
+          <p:cNvPr id="8" name="Group 8"/>
           <p:cNvGrpSpPr/>
           <p:nvPr/>
         </p:nvGrpSpPr>
         <p:grpSpPr>
-          <a:xfrm rot="0">
+          <a:xfrm>
             <a:off x="1454110" y="4303387"/>
             <a:ext cx="4473739" cy="636748"/>
             <a:chOff x="0" y="0"/>
@@ -3695,12 +3693,12 @@
         </p:grpSpPr>
         <p:sp>
           <p:nvSpPr>
-            <p:cNvPr name="Freeform 9" id="9"/>
+            <p:cNvPr id="9" name="Freeform 9"/>
             <p:cNvSpPr/>
             <p:nvPr/>
           </p:nvSpPr>
           <p:spPr>
-            <a:xfrm flipH="false" flipV="false" rot="0">
+            <a:xfrm>
               <a:off x="0" y="0"/>
               <a:ext cx="1178269" cy="167703"/>
             </a:xfrm>
@@ -3709,9 +3707,9 @@
               <a:gdLst/>
               <a:ahLst/>
               <a:cxnLst/>
-              <a:rect r="r" b="b" t="t" l="l"/>
+              <a:rect l="l" t="t" r="r" b="b"/>
               <a:pathLst>
-                <a:path h="167703" w="1178269">
+                <a:path w="1178269" h="167703">
                   <a:moveTo>
                     <a:pt x="0" y="0"/>
                   </a:moveTo>
@@ -3735,8 +3733,8 @@
         </p:sp>
         <p:sp>
           <p:nvSpPr>
-            <p:cNvPr name="TextBox 10" id="10"/>
-            <p:cNvSpPr txBox="true"/>
+            <p:cNvPr id="10" name="TextBox 10"/>
+            <p:cNvSpPr txBox="1"/>
             <p:nvPr/>
           </p:nvSpPr>
           <p:spPr>
@@ -3749,10 +3747,10 @@
             </a:prstGeom>
           </p:spPr>
           <p:txBody>
-            <a:bodyPr anchor="ctr" rtlCol="false" tIns="50800" lIns="50800" bIns="50800" rIns="50800"/>
+            <a:bodyPr lIns="50800" tIns="50800" rIns="50800" bIns="50800" rtlCol="0" anchor="ctr"/>
             <a:lstStyle/>
             <a:p>
-              <a:pPr algn="ctr" marL="0" indent="0" lvl="0">
+              <a:pPr marL="0" lvl="0" indent="0" algn="ctr">
                 <a:lnSpc>
                   <a:spcPts val="4114"/>
                 </a:lnSpc>
@@ -3778,26 +3776,26 @@
       </p:grpSp>
       <p:grpSp>
         <p:nvGrpSpPr>
-          <p:cNvPr name="Group 11" id="11"/>
+          <p:cNvPr id="11" name="Group 11"/>
           <p:cNvGrpSpPr/>
           <p:nvPr/>
         </p:nvGrpSpPr>
         <p:grpSpPr>
-          <a:xfrm rot="0">
+          <a:xfrm>
             <a:off x="6698941" y="4030908"/>
-            <a:ext cx="9389668" cy="4591164"/>
+            <a:ext cx="9389668" cy="4813543"/>
             <a:chOff x="0" y="0"/>
-            <a:chExt cx="1813298" cy="886628"/>
+            <a:chExt cx="1813298" cy="929573"/>
           </a:xfrm>
         </p:grpSpPr>
         <p:sp>
           <p:nvSpPr>
-            <p:cNvPr name="Freeform 12" id="12"/>
+            <p:cNvPr id="12" name="Freeform 12"/>
             <p:cNvSpPr/>
             <p:nvPr/>
           </p:nvSpPr>
           <p:spPr>
-            <a:xfrm flipH="false" flipV="false" rot="0">
+            <a:xfrm>
               <a:off x="0" y="0"/>
               <a:ext cx="1813297" cy="886628"/>
             </a:xfrm>
@@ -3806,9 +3804,9 @@
               <a:gdLst/>
               <a:ahLst/>
               <a:cxnLst/>
-              <a:rect r="r" b="b" t="t" l="l"/>
+              <a:rect l="l" t="t" r="r" b="b"/>
               <a:pathLst>
-                <a:path h="886628" w="1813297">
+                <a:path w="1813297" h="886628">
                   <a:moveTo>
                     <a:pt x="0" y="0"/>
                   </a:moveTo>
@@ -3841,13 +3839,13 @@
         </p:sp>
         <p:sp>
           <p:nvSpPr>
-            <p:cNvPr name="TextBox 13" id="13"/>
-            <p:cNvSpPr txBox="true"/>
+            <p:cNvPr id="13" name="TextBox 13"/>
+            <p:cNvSpPr txBox="1"/>
             <p:nvPr/>
           </p:nvSpPr>
           <p:spPr>
             <a:xfrm>
-              <a:off x="0" y="-28575"/>
+              <a:off x="0" y="14370"/>
               <a:ext cx="1813298" cy="915203"/>
             </a:xfrm>
             <a:prstGeom prst="rect">
@@ -3855,7 +3853,7 @@
             </a:prstGeom>
           </p:spPr>
           <p:txBody>
-            <a:bodyPr anchor="ctr" rtlCol="false" tIns="50800" lIns="50800" bIns="50800" rIns="50800"/>
+            <a:bodyPr lIns="50800" tIns="50800" rIns="50800" bIns="50800" rtlCol="0" anchor="ctr"/>
             <a:lstStyle/>
             <a:p>
               <a:pPr algn="ctr">
@@ -3864,7 +3862,7 @@
                 </a:lnSpc>
               </a:pPr>
               <a:r>
-                <a:rPr lang="en-US" sz="2699">
+                <a:rPr lang="en-US" sz="2699" dirty="0">
                   <a:solidFill>
                     <a:srgbClr val="000000"/>
                   </a:solidFill>
@@ -3883,7 +3881,7 @@
                 </a:lnSpc>
               </a:pPr>
               <a:r>
-                <a:rPr lang="en-US" sz="2699">
+                <a:rPr lang="en-US" sz="2699" dirty="0">
                   <a:solidFill>
                     <a:srgbClr val="000000"/>
                   </a:solidFill>
@@ -3901,18 +3899,27 @@
                   <a:spcPts val="3509"/>
                 </a:lnSpc>
               </a:pPr>
+              <a:endParaRPr lang="en-US" sz="2699" dirty="0">
+                <a:solidFill>
+                  <a:srgbClr val="000000"/>
+                </a:solidFill>
+                <a:latin typeface="Open Sauce Semi-Bold"/>
+                <a:ea typeface="Open Sauce Semi-Bold"/>
+                <a:cs typeface="Open Sauce Semi-Bold"/>
+                <a:sym typeface="Open Sauce Semi-Bold"/>
+              </a:endParaRPr>
             </a:p>
           </p:txBody>
         </p:sp>
       </p:grpSp>
       <p:sp>
         <p:nvSpPr>
-          <p:cNvPr name="Freeform 14" id="14"/>
+          <p:cNvPr id="14" name="Freeform 14"/>
           <p:cNvSpPr/>
           <p:nvPr/>
         </p:nvSpPr>
         <p:spPr>
-          <a:xfrm flipH="false" flipV="false" rot="0">
+          <a:xfrm>
             <a:off x="1454110" y="4940134"/>
             <a:ext cx="4473739" cy="2971308"/>
           </a:xfrm>
@@ -3921,9 +3928,9 @@
             <a:gdLst/>
             <a:ahLst/>
             <a:cxnLst/>
-            <a:rect r="r" b="b" t="t" l="l"/>
+            <a:rect l="l" t="t" r="r" b="b"/>
             <a:pathLst>
-              <a:path h="2971308" w="4473739">
+              <a:path w="4473739" h="2971308">
                 <a:moveTo>
                   <a:pt x="0" y="0"/>
                 </a:moveTo>
@@ -3946,19 +3953,19 @@
           <a:blipFill>
             <a:blip r:embed="rId5"/>
             <a:stretch>
-              <a:fillRect l="0" t="0" r="0" b="0"/>
+              <a:fillRect/>
             </a:stretch>
           </a:blipFill>
         </p:spPr>
       </p:sp>
       <p:sp>
         <p:nvSpPr>
-          <p:cNvPr name="TextBox 15" id="15"/>
-          <p:cNvSpPr txBox="true"/>
+          <p:cNvPr id="15" name="TextBox 15"/>
+          <p:cNvSpPr txBox="1"/>
           <p:nvPr/>
         </p:nvSpPr>
         <p:spPr>
-          <a:xfrm rot="0">
+          <a:xfrm>
             <a:off x="3690980" y="1232286"/>
             <a:ext cx="10906040" cy="1349947"/>
           </a:xfrm>
@@ -3967,7 +3974,7 @@
           </a:prstGeom>
         </p:spPr>
         <p:txBody>
-          <a:bodyPr anchor="t" rtlCol="false" tIns="0" lIns="0" bIns="0" rIns="0">
+          <a:bodyPr lIns="0" tIns="0" rIns="0" bIns="0" rtlCol="0" anchor="t">
             <a:spAutoFit/>
           </a:bodyPr>
           <a:lstStyle/>
@@ -4001,7 +4008,7 @@
 </file>
 
 <file path=ppt/slides/slide3.xml><?xml version="1.0" encoding="utf-8"?>
-<p:sld xmlns:p="http://schemas.openxmlformats.org/presentationml/2006/main" xmlns:a="http://schemas.openxmlformats.org/drawingml/2006/main" xmlns:r="http://schemas.openxmlformats.org/officeDocument/2006/relationships">
+<p:sld xmlns:a="http://schemas.openxmlformats.org/drawingml/2006/main" xmlns:r="http://schemas.openxmlformats.org/officeDocument/2006/relationships" xmlns:p="http://schemas.openxmlformats.org/presentationml/2006/main">
   <p:cSld>
     <p:spTree>
       <p:nvGrpSpPr>
@@ -4019,12 +4026,12 @@
       </p:grpSpPr>
       <p:sp>
         <p:nvSpPr>
-          <p:cNvPr name="Freeform 2" id="2"/>
+          <p:cNvPr id="2" name="Freeform 2"/>
           <p:cNvSpPr/>
           <p:nvPr/>
         </p:nvSpPr>
         <p:spPr>
-          <a:xfrm flipH="true" flipV="true" rot="0">
+          <a:xfrm flipH="1" flipV="1">
             <a:off x="0" y="0"/>
             <a:ext cx="18288000" cy="10287000"/>
           </a:xfrm>
@@ -4033,9 +4040,9 @@
             <a:gdLst/>
             <a:ahLst/>
             <a:cxnLst/>
-            <a:rect r="r" b="b" t="t" l="l"/>
+            <a:rect l="l" t="t" r="r" b="b"/>
             <a:pathLst>
-              <a:path h="10287000" w="18288000">
+              <a:path w="18288000" h="10287000">
                 <a:moveTo>
                   <a:pt x="18288000" y="10287000"/>
                 </a:moveTo>
@@ -4058,19 +4065,19 @@
           <a:blipFill>
             <a:blip r:embed="rId2"/>
             <a:stretch>
-              <a:fillRect l="0" t="-38888" r="0" b="-38888"/>
+              <a:fillRect t="-38888" b="-38888"/>
             </a:stretch>
           </a:blipFill>
         </p:spPr>
       </p:sp>
       <p:sp>
         <p:nvSpPr>
-          <p:cNvPr name="Freeform 3" id="3"/>
+          <p:cNvPr id="3" name="Freeform 3"/>
           <p:cNvSpPr/>
           <p:nvPr/>
         </p:nvSpPr>
         <p:spPr>
-          <a:xfrm flipH="false" flipV="false" rot="887923">
+          <a:xfrm rot="887923">
             <a:off x="14454395" y="-8246509"/>
             <a:ext cx="12301711" cy="12623024"/>
           </a:xfrm>
@@ -4079,9 +4086,9 @@
             <a:gdLst/>
             <a:ahLst/>
             <a:cxnLst/>
-            <a:rect r="r" b="b" t="t" l="l"/>
+            <a:rect l="l" t="t" r="r" b="b"/>
             <a:pathLst>
-              <a:path h="12623024" w="12301711">
+              <a:path w="12301711" h="12623024">
                 <a:moveTo>
                   <a:pt x="0" y="0"/>
                 </a:moveTo>
@@ -4110,19 +4117,19 @@
               </a:extLst>
             </a:blip>
             <a:stretch>
-              <a:fillRect l="0" t="0" r="0" b="0"/>
+              <a:fillRect/>
             </a:stretch>
           </a:blipFill>
         </p:spPr>
       </p:sp>
       <p:sp>
         <p:nvSpPr>
-          <p:cNvPr name="Freeform 4" id="4"/>
+          <p:cNvPr id="4" name="Freeform 4"/>
           <p:cNvSpPr/>
           <p:nvPr/>
         </p:nvSpPr>
         <p:spPr>
-          <a:xfrm flipH="false" flipV="false" rot="887923">
+          <a:xfrm rot="887923">
             <a:off x="-4305563" y="6945429"/>
             <a:ext cx="8108244" cy="8320026"/>
           </a:xfrm>
@@ -4131,9 +4138,9 @@
             <a:gdLst/>
             <a:ahLst/>
             <a:cxnLst/>
-            <a:rect r="r" b="b" t="t" l="l"/>
+            <a:rect l="l" t="t" r="r" b="b"/>
             <a:pathLst>
-              <a:path h="8320026" w="8108244">
+              <a:path w="8108244" h="8320026">
                 <a:moveTo>
                   <a:pt x="0" y="0"/>
                 </a:moveTo>
@@ -4162,19 +4169,19 @@
               </a:extLst>
             </a:blip>
             <a:stretch>
-              <a:fillRect l="0" t="0" r="0" b="0"/>
+              <a:fillRect/>
             </a:stretch>
           </a:blipFill>
         </p:spPr>
       </p:sp>
       <p:grpSp>
         <p:nvGrpSpPr>
-          <p:cNvPr name="Group 5" id="5"/>
+          <p:cNvPr id="5" name="Group 5"/>
           <p:cNvGrpSpPr/>
           <p:nvPr/>
         </p:nvGrpSpPr>
         <p:grpSpPr>
-          <a:xfrm rot="0">
+          <a:xfrm>
             <a:off x="1601783" y="3864505"/>
             <a:ext cx="3005067" cy="1395619"/>
             <a:chOff x="0" y="0"/>
@@ -4183,12 +4190,12 @@
         </p:grpSpPr>
         <p:sp>
           <p:nvSpPr>
-            <p:cNvPr name="Freeform 6" id="6"/>
+            <p:cNvPr id="6" name="Freeform 6"/>
             <p:cNvSpPr/>
             <p:nvPr/>
           </p:nvSpPr>
           <p:spPr>
-            <a:xfrm flipH="false" flipV="false" rot="0">
+            <a:xfrm>
               <a:off x="0" y="0"/>
               <a:ext cx="1102203" cy="511887"/>
             </a:xfrm>
@@ -4197,9 +4204,9 @@
               <a:gdLst/>
               <a:ahLst/>
               <a:cxnLst/>
-              <a:rect r="r" b="b" t="t" l="l"/>
+              <a:rect l="l" t="t" r="r" b="b"/>
               <a:pathLst>
-                <a:path h="511887" w="1102203">
+                <a:path w="1102203" h="511887">
                   <a:moveTo>
                     <a:pt x="79865" y="0"/>
                   </a:moveTo>
@@ -4253,8 +4260,8 @@
         </p:sp>
         <p:sp>
           <p:nvSpPr>
-            <p:cNvPr name="TextBox 7" id="7"/>
-            <p:cNvSpPr txBox="true"/>
+            <p:cNvPr id="7" name="TextBox 7"/>
+            <p:cNvSpPr txBox="1"/>
             <p:nvPr/>
           </p:nvSpPr>
           <p:spPr>
@@ -4267,7 +4274,7 @@
             </a:prstGeom>
           </p:spPr>
           <p:txBody>
-            <a:bodyPr anchor="ctr" rtlCol="false" tIns="50800" lIns="50800" bIns="50800" rIns="50800"/>
+            <a:bodyPr lIns="50800" tIns="50800" rIns="50800" bIns="50800" rtlCol="0" anchor="ctr"/>
             <a:lstStyle/>
             <a:p>
               <a:pPr algn="ctr">
@@ -4275,18 +4282,19 @@
                   <a:spcPts val="2859"/>
                 </a:lnSpc>
               </a:pPr>
+              <a:endParaRPr/>
             </a:p>
           </p:txBody>
         </p:sp>
       </p:grpSp>
       <p:grpSp>
         <p:nvGrpSpPr>
-          <p:cNvPr name="Group 8" id="8"/>
+          <p:cNvPr id="8" name="Group 8"/>
           <p:cNvGrpSpPr/>
           <p:nvPr/>
         </p:nvGrpSpPr>
         <p:grpSpPr>
-          <a:xfrm rot="0">
+          <a:xfrm>
             <a:off x="3856759" y="6180648"/>
             <a:ext cx="2888276" cy="1442637"/>
             <a:chOff x="0" y="0"/>
@@ -4295,12 +4303,12 @@
         </p:grpSpPr>
         <p:sp>
           <p:nvSpPr>
-            <p:cNvPr name="Freeform 9" id="9"/>
+            <p:cNvPr id="9" name="Freeform 9"/>
             <p:cNvSpPr/>
             <p:nvPr/>
           </p:nvSpPr>
           <p:spPr>
-            <a:xfrm flipH="false" flipV="false" rot="0">
+            <a:xfrm>
               <a:off x="0" y="0"/>
               <a:ext cx="1067681" cy="533285"/>
             </a:xfrm>
@@ -4309,9 +4317,9 @@
               <a:gdLst/>
               <a:ahLst/>
               <a:cxnLst/>
-              <a:rect r="r" b="b" t="t" l="l"/>
+              <a:rect l="l" t="t" r="r" b="b"/>
               <a:pathLst>
-                <a:path h="533285" w="1067681">
+                <a:path w="1067681" h="533285">
                   <a:moveTo>
                     <a:pt x="83094" y="0"/>
                   </a:moveTo>
@@ -4365,8 +4373,8 @@
         </p:sp>
         <p:sp>
           <p:nvSpPr>
-            <p:cNvPr name="TextBox 10" id="10"/>
-            <p:cNvSpPr txBox="true"/>
+            <p:cNvPr id="10" name="TextBox 10"/>
+            <p:cNvSpPr txBox="1"/>
             <p:nvPr/>
           </p:nvSpPr>
           <p:spPr>
@@ -4379,7 +4387,7 @@
             </a:prstGeom>
           </p:spPr>
           <p:txBody>
-            <a:bodyPr anchor="ctr" rtlCol="false" tIns="50800" lIns="50800" bIns="50800" rIns="50800"/>
+            <a:bodyPr lIns="50800" tIns="50800" rIns="50800" bIns="50800" rtlCol="0" anchor="ctr"/>
             <a:lstStyle/>
             <a:p>
               <a:pPr algn="ctr">
@@ -4387,18 +4395,19 @@
                   <a:spcPts val="2859"/>
                 </a:lnSpc>
               </a:pPr>
+              <a:endParaRPr/>
             </a:p>
           </p:txBody>
         </p:sp>
       </p:grpSp>
       <p:grpSp>
         <p:nvGrpSpPr>
-          <p:cNvPr name="Group 11" id="11"/>
+          <p:cNvPr id="11" name="Group 11"/>
           <p:cNvGrpSpPr/>
           <p:nvPr/>
         </p:nvGrpSpPr>
         <p:grpSpPr>
-          <a:xfrm rot="0">
+          <a:xfrm>
             <a:off x="7207504" y="3864505"/>
             <a:ext cx="3479838" cy="1395619"/>
             <a:chOff x="0" y="0"/>
@@ -4407,12 +4416,12 @@
         </p:grpSpPr>
         <p:sp>
           <p:nvSpPr>
-            <p:cNvPr name="Freeform 12" id="12"/>
+            <p:cNvPr id="12" name="Freeform 12"/>
             <p:cNvSpPr/>
             <p:nvPr/>
           </p:nvSpPr>
           <p:spPr>
-            <a:xfrm flipH="false" flipV="false" rot="0">
+            <a:xfrm>
               <a:off x="0" y="0"/>
               <a:ext cx="1276340" cy="511887"/>
             </a:xfrm>
@@ -4421,9 +4430,9 @@
               <a:gdLst/>
               <a:ahLst/>
               <a:cxnLst/>
-              <a:rect r="r" b="b" t="t" l="l"/>
+              <a:rect l="l" t="t" r="r" b="b"/>
               <a:pathLst>
-                <a:path h="511887" w="1276340">
+                <a:path w="1276340" h="511887">
                   <a:moveTo>
                     <a:pt x="68969" y="0"/>
                   </a:moveTo>
@@ -4487,8 +4496,8 @@
         </p:sp>
         <p:sp>
           <p:nvSpPr>
-            <p:cNvPr name="TextBox 13" id="13"/>
-            <p:cNvSpPr txBox="true"/>
+            <p:cNvPr id="13" name="TextBox 13"/>
+            <p:cNvSpPr txBox="1"/>
             <p:nvPr/>
           </p:nvSpPr>
           <p:spPr>
@@ -4501,7 +4510,7 @@
             </a:prstGeom>
           </p:spPr>
           <p:txBody>
-            <a:bodyPr anchor="ctr" rtlCol="false" tIns="50800" lIns="50800" bIns="50800" rIns="50800"/>
+            <a:bodyPr lIns="50800" tIns="50800" rIns="50800" bIns="50800" rtlCol="0" anchor="ctr"/>
             <a:lstStyle/>
             <a:p>
               <a:pPr algn="ctr">
@@ -4509,18 +4518,19 @@
                   <a:spcPts val="2859"/>
                 </a:lnSpc>
               </a:pPr>
+              <a:endParaRPr/>
             </a:p>
           </p:txBody>
         </p:sp>
       </p:grpSp>
       <p:sp>
         <p:nvSpPr>
-          <p:cNvPr name="TextBox 14" id="14"/>
-          <p:cNvSpPr txBox="true"/>
+          <p:cNvPr id="14" name="TextBox 14"/>
+          <p:cNvSpPr txBox="1"/>
           <p:nvPr/>
         </p:nvSpPr>
         <p:spPr>
-          <a:xfrm rot="0">
+          <a:xfrm>
             <a:off x="2018038" y="1202973"/>
             <a:ext cx="14251923" cy="1594138"/>
           </a:xfrm>
@@ -4529,12 +4539,12 @@
           </a:prstGeom>
         </p:spPr>
         <p:txBody>
-          <a:bodyPr anchor="t" rtlCol="false" tIns="0" lIns="0" bIns="0" rIns="0">
+          <a:bodyPr lIns="0" tIns="0" rIns="0" bIns="0" rtlCol="0" anchor="t">
             <a:spAutoFit/>
           </a:bodyPr>
           <a:lstStyle/>
           <a:p>
-            <a:pPr algn="ctr" marL="0" indent="0" lvl="0">
+            <a:pPr marL="0" lvl="0" indent="0" algn="ctr">
               <a:lnSpc>
                 <a:spcPts val="13015"/>
               </a:lnSpc>
@@ -4559,12 +4569,12 @@
       </p:sp>
       <p:sp>
         <p:nvSpPr>
-          <p:cNvPr name="TextBox 15" id="15"/>
-          <p:cNvSpPr txBox="true"/>
+          <p:cNvPr id="15" name="TextBox 15"/>
+          <p:cNvSpPr txBox="1"/>
           <p:nvPr/>
         </p:nvSpPr>
         <p:spPr>
-          <a:xfrm rot="0">
+          <a:xfrm>
             <a:off x="1601783" y="4011452"/>
             <a:ext cx="3005067" cy="1054100"/>
           </a:xfrm>
@@ -4573,7 +4583,7 @@
           </a:prstGeom>
         </p:spPr>
         <p:txBody>
-          <a:bodyPr anchor="t" rtlCol="false" tIns="0" lIns="0" bIns="0" rIns="0">
+          <a:bodyPr lIns="0" tIns="0" rIns="0" bIns="0" rtlCol="0" anchor="t">
             <a:spAutoFit/>
           </a:bodyPr>
           <a:lstStyle/>
@@ -4600,12 +4610,12 @@
       </p:sp>
       <p:sp>
         <p:nvSpPr>
-          <p:cNvPr name="TextBox 16" id="16"/>
-          <p:cNvSpPr txBox="true"/>
+          <p:cNvPr id="16" name="TextBox 16"/>
+          <p:cNvSpPr txBox="1"/>
           <p:nvPr/>
         </p:nvSpPr>
         <p:spPr>
-          <a:xfrm rot="0">
+          <a:xfrm>
             <a:off x="4163480" y="6476419"/>
             <a:ext cx="2888276" cy="1054100"/>
           </a:xfrm>
@@ -4614,7 +4624,7 @@
           </a:prstGeom>
         </p:spPr>
         <p:txBody>
-          <a:bodyPr anchor="t" rtlCol="false" tIns="0" lIns="0" bIns="0" rIns="0">
+          <a:bodyPr lIns="0" tIns="0" rIns="0" bIns="0" rtlCol="0" anchor="t">
             <a:spAutoFit/>
           </a:bodyPr>
           <a:lstStyle/>
@@ -4641,12 +4651,12 @@
       </p:sp>
       <p:sp>
         <p:nvSpPr>
-          <p:cNvPr name="TextBox 17" id="17"/>
-          <p:cNvSpPr txBox="true"/>
+          <p:cNvPr id="17" name="TextBox 17"/>
+          <p:cNvSpPr txBox="1"/>
           <p:nvPr/>
         </p:nvSpPr>
         <p:spPr>
-          <a:xfrm rot="0">
+          <a:xfrm>
             <a:off x="7207504" y="3945060"/>
             <a:ext cx="3456044" cy="1054100"/>
           </a:xfrm>
@@ -4655,7 +4665,7 @@
           </a:prstGeom>
         </p:spPr>
         <p:txBody>
-          <a:bodyPr anchor="t" rtlCol="false" tIns="0" lIns="0" bIns="0" rIns="0">
+          <a:bodyPr lIns="0" tIns="0" rIns="0" bIns="0" rtlCol="0" anchor="t">
             <a:spAutoFit/>
           </a:bodyPr>
           <a:lstStyle/>
@@ -4682,12 +4692,12 @@
       </p:sp>
       <p:sp>
         <p:nvSpPr>
-          <p:cNvPr name="Freeform 18" id="18"/>
+          <p:cNvPr id="18" name="Freeform 18"/>
           <p:cNvSpPr/>
           <p:nvPr/>
         </p:nvSpPr>
         <p:spPr>
-          <a:xfrm flipH="true" flipV="true" rot="8590847">
+          <a:xfrm rot="8590847" flipH="1" flipV="1">
             <a:off x="7080427" y="6021151"/>
             <a:ext cx="1129183" cy="318994"/>
           </a:xfrm>
@@ -4696,9 +4706,9 @@
             <a:gdLst/>
             <a:ahLst/>
             <a:cxnLst/>
-            <a:rect r="r" b="b" t="t" l="l"/>
+            <a:rect l="l" t="t" r="r" b="b"/>
             <a:pathLst>
-              <a:path h="318994" w="1129183">
+              <a:path w="1129183" h="318994">
                 <a:moveTo>
                   <a:pt x="1129182" y="318994"/>
                 </a:moveTo>
@@ -4727,19 +4737,19 @@
               </a:extLst>
             </a:blip>
             <a:stretch>
-              <a:fillRect l="0" t="0" r="0" b="0"/>
+              <a:fillRect/>
             </a:stretch>
           </a:blipFill>
         </p:spPr>
       </p:sp>
       <p:sp>
         <p:nvSpPr>
-          <p:cNvPr name="Freeform 19" id="19"/>
+          <p:cNvPr id="19" name="Freeform 19"/>
           <p:cNvSpPr/>
           <p:nvPr/>
         </p:nvSpPr>
         <p:spPr>
-          <a:xfrm flipH="false" flipV="false" rot="2238676">
+          <a:xfrm rot="2238676">
             <a:off x="2510236" y="6003019"/>
             <a:ext cx="1156288" cy="326651"/>
           </a:xfrm>
@@ -4748,9 +4758,9 @@
             <a:gdLst/>
             <a:ahLst/>
             <a:cxnLst/>
-            <a:rect r="r" b="b" t="t" l="l"/>
+            <a:rect l="l" t="t" r="r" b="b"/>
             <a:pathLst>
-              <a:path h="326651" w="1156288">
+              <a:path w="1156288" h="326651">
                 <a:moveTo>
                   <a:pt x="0" y="0"/>
                 </a:moveTo>
@@ -4779,19 +4789,19 @@
               </a:extLst>
             </a:blip>
             <a:stretch>
-              <a:fillRect l="0" t="0" r="0" b="0"/>
+              <a:fillRect/>
             </a:stretch>
           </a:blipFill>
         </p:spPr>
       </p:sp>
       <p:grpSp>
         <p:nvGrpSpPr>
-          <p:cNvPr name="Group 20" id="20"/>
+          <p:cNvPr id="20" name="Group 20"/>
           <p:cNvGrpSpPr/>
           <p:nvPr/>
         </p:nvGrpSpPr>
         <p:grpSpPr>
-          <a:xfrm rot="0">
+          <a:xfrm>
             <a:off x="10312718" y="6021673"/>
             <a:ext cx="3150382" cy="1784959"/>
             <a:chOff x="0" y="0"/>
@@ -4800,12 +4810,12 @@
         </p:grpSpPr>
         <p:sp>
           <p:nvSpPr>
-            <p:cNvPr name="Freeform 21" id="21"/>
+            <p:cNvPr id="21" name="Freeform 21"/>
             <p:cNvSpPr/>
             <p:nvPr/>
           </p:nvSpPr>
           <p:spPr>
-            <a:xfrm flipH="false" flipV="false" rot="0">
+            <a:xfrm>
               <a:off x="0" y="0"/>
               <a:ext cx="1164571" cy="659828"/>
             </a:xfrm>
@@ -4814,9 +4824,9 @@
               <a:gdLst/>
               <a:ahLst/>
               <a:cxnLst/>
-              <a:rect r="r" b="b" t="t" l="l"/>
+              <a:rect l="l" t="t" r="r" b="b"/>
               <a:pathLst>
-                <a:path h="659828" w="1164571">
+                <a:path w="1164571" h="659828">
                   <a:moveTo>
                     <a:pt x="76181" y="0"/>
                   </a:moveTo>
@@ -4885,8 +4895,8 @@
         </p:sp>
         <p:sp>
           <p:nvSpPr>
-            <p:cNvPr name="TextBox 22" id="22"/>
-            <p:cNvSpPr txBox="true"/>
+            <p:cNvPr id="22" name="TextBox 22"/>
+            <p:cNvSpPr txBox="1"/>
             <p:nvPr/>
           </p:nvSpPr>
           <p:spPr>
@@ -4899,7 +4909,7 @@
             </a:prstGeom>
           </p:spPr>
           <p:txBody>
-            <a:bodyPr anchor="ctr" rtlCol="false" tIns="50800" lIns="50800" bIns="50800" rIns="50800"/>
+            <a:bodyPr lIns="50800" tIns="50800" rIns="50800" bIns="50800" rtlCol="0" anchor="ctr"/>
             <a:lstStyle/>
             <a:p>
               <a:pPr algn="ctr">
@@ -4927,12 +4937,12 @@
       </p:grpSp>
       <p:sp>
         <p:nvSpPr>
-          <p:cNvPr name="TextBox 23" id="23"/>
-          <p:cNvSpPr txBox="true"/>
+          <p:cNvPr id="23" name="TextBox 23"/>
+          <p:cNvSpPr txBox="1"/>
           <p:nvPr/>
         </p:nvSpPr>
         <p:spPr>
-          <a:xfrm rot="0">
+          <a:xfrm>
             <a:off x="10739774" y="6348298"/>
             <a:ext cx="2888276" cy="1298575"/>
           </a:xfrm>
@@ -4941,7 +4951,7 @@
           </a:prstGeom>
         </p:spPr>
         <p:txBody>
-          <a:bodyPr anchor="t" rtlCol="false" tIns="0" lIns="0" bIns="0" rIns="0">
+          <a:bodyPr lIns="0" tIns="0" rIns="0" bIns="0" rtlCol="0" anchor="t">
             <a:spAutoFit/>
           </a:bodyPr>
           <a:lstStyle/>
@@ -4971,12 +4981,12 @@
       </p:sp>
       <p:sp>
         <p:nvSpPr>
-          <p:cNvPr name="Freeform 24" id="24"/>
+          <p:cNvPr id="24" name="Freeform 24"/>
           <p:cNvSpPr/>
           <p:nvPr/>
         </p:nvSpPr>
         <p:spPr>
-          <a:xfrm flipH="false" flipV="false" rot="2138518">
+          <a:xfrm rot="2138518">
             <a:off x="8923620" y="6018233"/>
             <a:ext cx="1048578" cy="296223"/>
           </a:xfrm>
@@ -4985,9 +4995,9 @@
             <a:gdLst/>
             <a:ahLst/>
             <a:cxnLst/>
-            <a:rect r="r" b="b" t="t" l="l"/>
+            <a:rect l="l" t="t" r="r" b="b"/>
             <a:pathLst>
-              <a:path h="296223" w="1048578">
+              <a:path w="1048578" h="296223">
                 <a:moveTo>
                   <a:pt x="0" y="0"/>
                 </a:moveTo>
@@ -5016,19 +5026,19 @@
               </a:extLst>
             </a:blip>
             <a:stretch>
-              <a:fillRect l="0" t="0" r="0" b="0"/>
+              <a:fillRect/>
             </a:stretch>
           </a:blipFill>
         </p:spPr>
       </p:sp>
       <p:grpSp>
         <p:nvGrpSpPr>
-          <p:cNvPr name="Group 25" id="25"/>
+          <p:cNvPr id="25" name="Group 25"/>
           <p:cNvGrpSpPr/>
           <p:nvPr/>
         </p:nvGrpSpPr>
         <p:grpSpPr>
-          <a:xfrm rot="0">
+          <a:xfrm>
             <a:off x="13535835" y="3669835"/>
             <a:ext cx="3150382" cy="1784959"/>
             <a:chOff x="0" y="0"/>
@@ -5037,12 +5047,12 @@
         </p:grpSpPr>
         <p:sp>
           <p:nvSpPr>
-            <p:cNvPr name="Freeform 26" id="26"/>
+            <p:cNvPr id="26" name="Freeform 26"/>
             <p:cNvSpPr/>
             <p:nvPr/>
           </p:nvSpPr>
           <p:spPr>
-            <a:xfrm flipH="false" flipV="false" rot="0">
+            <a:xfrm>
               <a:off x="0" y="0"/>
               <a:ext cx="1164571" cy="659828"/>
             </a:xfrm>
@@ -5051,9 +5061,9 @@
               <a:gdLst/>
               <a:ahLst/>
               <a:cxnLst/>
-              <a:rect r="r" b="b" t="t" l="l"/>
+              <a:rect l="l" t="t" r="r" b="b"/>
               <a:pathLst>
-                <a:path h="659828" w="1164571">
+                <a:path w="1164571" h="659828">
                   <a:moveTo>
                     <a:pt x="76181" y="0"/>
                   </a:moveTo>
@@ -5122,8 +5132,8 @@
         </p:sp>
         <p:sp>
           <p:nvSpPr>
-            <p:cNvPr name="TextBox 27" id="27"/>
-            <p:cNvSpPr txBox="true"/>
+            <p:cNvPr id="27" name="TextBox 27"/>
+            <p:cNvSpPr txBox="1"/>
             <p:nvPr/>
           </p:nvSpPr>
           <p:spPr>
@@ -5136,7 +5146,7 @@
             </a:prstGeom>
           </p:spPr>
           <p:txBody>
-            <a:bodyPr anchor="ctr" rtlCol="false" tIns="50800" lIns="50800" bIns="50800" rIns="50800"/>
+            <a:bodyPr lIns="50800" tIns="50800" rIns="50800" bIns="50800" rtlCol="0" anchor="ctr"/>
             <a:lstStyle/>
             <a:p>
               <a:pPr algn="ctr">
@@ -5164,12 +5174,12 @@
       </p:grpSp>
       <p:sp>
         <p:nvSpPr>
-          <p:cNvPr name="TextBox 28" id="28"/>
-          <p:cNvSpPr txBox="true"/>
+          <p:cNvPr id="28" name="TextBox 28"/>
+          <p:cNvSpPr txBox="1"/>
           <p:nvPr/>
         </p:nvSpPr>
         <p:spPr>
-          <a:xfrm rot="0">
+          <a:xfrm>
             <a:off x="13601571" y="3898740"/>
             <a:ext cx="3018910" cy="1298575"/>
           </a:xfrm>
@@ -5178,7 +5188,7 @@
           </a:prstGeom>
         </p:spPr>
         <p:txBody>
-          <a:bodyPr anchor="t" rtlCol="false" tIns="0" lIns="0" bIns="0" rIns="0">
+          <a:bodyPr lIns="0" tIns="0" rIns="0" bIns="0" rtlCol="0" anchor="t">
             <a:spAutoFit/>
           </a:bodyPr>
           <a:lstStyle/>
@@ -5208,12 +5218,12 @@
       </p:sp>
       <p:sp>
         <p:nvSpPr>
-          <p:cNvPr name="Freeform 29" id="29"/>
+          <p:cNvPr id="29" name="Freeform 29"/>
           <p:cNvSpPr/>
           <p:nvPr/>
         </p:nvSpPr>
         <p:spPr>
-          <a:xfrm flipH="true" flipV="true" rot="8590847">
+          <a:xfrm rot="8590847" flipH="1" flipV="1">
             <a:off x="13518802" y="6047005"/>
             <a:ext cx="1129183" cy="318994"/>
           </a:xfrm>
@@ -5222,9 +5232,9 @@
             <a:gdLst/>
             <a:ahLst/>
             <a:cxnLst/>
-            <a:rect r="r" b="b" t="t" l="l"/>
+            <a:rect l="l" t="t" r="r" b="b"/>
             <a:pathLst>
-              <a:path h="318994" w="1129183">
+              <a:path w="1129183" h="318994">
                 <a:moveTo>
                   <a:pt x="1129182" y="318994"/>
                 </a:moveTo>
@@ -5253,7 +5263,7 @@
               </a:extLst>
             </a:blip>
             <a:stretch>
-              <a:fillRect l="0" t="0" r="0" b="0"/>
+              <a:fillRect/>
             </a:stretch>
           </a:blipFill>
         </p:spPr>
@@ -5267,7 +5277,7 @@
 </file>
 
 <file path=ppt/slides/slide4.xml><?xml version="1.0" encoding="utf-8"?>
-<p:sld xmlns:p="http://schemas.openxmlformats.org/presentationml/2006/main" xmlns:a="http://schemas.openxmlformats.org/drawingml/2006/main" xmlns:r="http://schemas.openxmlformats.org/officeDocument/2006/relationships">
+<p:sld xmlns:a="http://schemas.openxmlformats.org/drawingml/2006/main" xmlns:r="http://schemas.openxmlformats.org/officeDocument/2006/relationships" xmlns:p="http://schemas.openxmlformats.org/presentationml/2006/main">
   <p:cSld>
     <p:spTree>
       <p:nvGrpSpPr>
@@ -5285,12 +5295,12 @@
       </p:grpSpPr>
       <p:sp>
         <p:nvSpPr>
-          <p:cNvPr name="Freeform 2" id="2"/>
+          <p:cNvPr id="2" name="Freeform 2"/>
           <p:cNvSpPr/>
           <p:nvPr/>
         </p:nvSpPr>
         <p:spPr>
-          <a:xfrm flipH="true" flipV="true" rot="0">
+          <a:xfrm flipH="1" flipV="1">
             <a:off x="0" y="0"/>
             <a:ext cx="18288000" cy="10287000"/>
           </a:xfrm>
@@ -5299,9 +5309,9 @@
             <a:gdLst/>
             <a:ahLst/>
             <a:cxnLst/>
-            <a:rect r="r" b="b" t="t" l="l"/>
+            <a:rect l="l" t="t" r="r" b="b"/>
             <a:pathLst>
-              <a:path h="10287000" w="18288000">
+              <a:path w="18288000" h="10287000">
                 <a:moveTo>
                   <a:pt x="18288000" y="10287000"/>
                 </a:moveTo>
@@ -5324,19 +5334,19 @@
           <a:blipFill>
             <a:blip r:embed="rId2"/>
             <a:stretch>
-              <a:fillRect l="0" t="-38888" r="0" b="-38888"/>
+              <a:fillRect t="-38888" b="-38888"/>
             </a:stretch>
           </a:blipFill>
         </p:spPr>
       </p:sp>
       <p:grpSp>
         <p:nvGrpSpPr>
-          <p:cNvPr name="Group 3" id="3"/>
+          <p:cNvPr id="3" name="Group 3"/>
           <p:cNvGrpSpPr/>
           <p:nvPr/>
         </p:nvGrpSpPr>
         <p:grpSpPr>
-          <a:xfrm rot="0">
+          <a:xfrm>
             <a:off x="9477818" y="5145121"/>
             <a:ext cx="4113179" cy="4087473"/>
             <a:chOff x="0" y="0"/>
@@ -5345,12 +5355,12 @@
         </p:grpSpPr>
         <p:sp>
           <p:nvSpPr>
-            <p:cNvPr name="Freeform 4" id="4"/>
+            <p:cNvPr id="4" name="Freeform 4"/>
             <p:cNvSpPr/>
             <p:nvPr/>
           </p:nvSpPr>
           <p:spPr>
-            <a:xfrm flipH="false" flipV="false" rot="0">
+            <a:xfrm>
               <a:off x="0" y="0"/>
               <a:ext cx="1279723" cy="1271725"/>
             </a:xfrm>
@@ -5359,9 +5369,9 @@
               <a:gdLst/>
               <a:ahLst/>
               <a:cxnLst/>
-              <a:rect r="r" b="b" t="t" l="l"/>
+              <a:rect l="l" t="t" r="r" b="b"/>
               <a:pathLst>
-                <a:path h="1271725" w="1279723">
+                <a:path w="1279723" h="1271725">
                   <a:moveTo>
                     <a:pt x="0" y="0"/>
                   </a:moveTo>
@@ -5385,8 +5395,8 @@
         </p:sp>
         <p:sp>
           <p:nvSpPr>
-            <p:cNvPr name="TextBox 5" id="5"/>
-            <p:cNvSpPr txBox="true"/>
+            <p:cNvPr id="5" name="TextBox 5"/>
+            <p:cNvSpPr txBox="1"/>
             <p:nvPr/>
           </p:nvSpPr>
           <p:spPr>
@@ -5399,10 +5409,10 @@
             </a:prstGeom>
           </p:spPr>
           <p:txBody>
-            <a:bodyPr anchor="ctr" rtlCol="false" tIns="50800" lIns="50800" bIns="50800" rIns="50800"/>
+            <a:bodyPr lIns="50800" tIns="50800" rIns="50800" bIns="50800" rtlCol="0" anchor="ctr"/>
             <a:lstStyle/>
             <a:p>
-              <a:pPr algn="ctr" marL="0" indent="0" lvl="0">
+              <a:pPr marL="0" lvl="0" indent="0" algn="ctr">
                 <a:lnSpc>
                   <a:spcPts val="4114"/>
                 </a:lnSpc>
@@ -5410,18 +5420,19 @@
                   <a:spcPct val="0"/>
                 </a:spcBef>
               </a:pPr>
+              <a:endParaRPr/>
             </a:p>
           </p:txBody>
         </p:sp>
       </p:grpSp>
       <p:grpSp>
         <p:nvGrpSpPr>
-          <p:cNvPr name="Group 6" id="6"/>
+          <p:cNvPr id="6" name="Group 6"/>
           <p:cNvGrpSpPr/>
           <p:nvPr/>
         </p:nvGrpSpPr>
         <p:grpSpPr>
-          <a:xfrm rot="0">
+          <a:xfrm>
             <a:off x="4672095" y="5145121"/>
             <a:ext cx="4113179" cy="4113179"/>
             <a:chOff x="0" y="0"/>
@@ -5430,12 +5441,12 @@
         </p:grpSpPr>
         <p:sp>
           <p:nvSpPr>
-            <p:cNvPr name="Freeform 7" id="7"/>
+            <p:cNvPr id="7" name="Freeform 7"/>
             <p:cNvSpPr/>
             <p:nvPr/>
           </p:nvSpPr>
           <p:spPr>
-            <a:xfrm flipH="false" flipV="false" rot="0">
+            <a:xfrm>
               <a:off x="0" y="0"/>
               <a:ext cx="812800" cy="812800"/>
             </a:xfrm>
@@ -5444,9 +5455,9 @@
               <a:gdLst/>
               <a:ahLst/>
               <a:cxnLst/>
-              <a:rect r="r" b="b" t="t" l="l"/>
+              <a:rect l="l" t="t" r="r" b="b"/>
               <a:pathLst>
-                <a:path h="812800" w="812800">
+                <a:path w="812800" h="812800">
                   <a:moveTo>
                     <a:pt x="0" y="0"/>
                   </a:moveTo>
@@ -5470,8 +5481,8 @@
         </p:sp>
         <p:sp>
           <p:nvSpPr>
-            <p:cNvPr name="TextBox 8" id="8"/>
-            <p:cNvSpPr txBox="true"/>
+            <p:cNvPr id="8" name="TextBox 8"/>
+            <p:cNvSpPr txBox="1"/>
             <p:nvPr/>
           </p:nvSpPr>
           <p:spPr>
@@ -5484,10 +5495,10 @@
             </a:prstGeom>
           </p:spPr>
           <p:txBody>
-            <a:bodyPr anchor="ctr" rtlCol="false" tIns="50800" lIns="50800" bIns="50800" rIns="50800"/>
+            <a:bodyPr lIns="50800" tIns="50800" rIns="50800" bIns="50800" rtlCol="0" anchor="ctr"/>
             <a:lstStyle/>
             <a:p>
-              <a:pPr algn="ctr" marL="0" indent="0" lvl="0">
+              <a:pPr marL="0" lvl="0" indent="0" algn="ctr">
                 <a:lnSpc>
                   <a:spcPts val="4114"/>
                 </a:lnSpc>
@@ -5495,18 +5506,19 @@
                   <a:spcPct val="0"/>
                 </a:spcBef>
               </a:pPr>
+              <a:endParaRPr/>
             </a:p>
           </p:txBody>
         </p:sp>
       </p:grpSp>
       <p:sp>
         <p:nvSpPr>
-          <p:cNvPr name="TextBox 9" id="9"/>
-          <p:cNvSpPr txBox="true"/>
+          <p:cNvPr id="9" name="TextBox 9"/>
+          <p:cNvSpPr txBox="1"/>
           <p:nvPr/>
         </p:nvSpPr>
         <p:spPr>
-          <a:xfrm rot="0">
+          <a:xfrm>
             <a:off x="2335030" y="796950"/>
             <a:ext cx="13617940" cy="1594138"/>
           </a:xfrm>
@@ -5515,12 +5527,12 @@
           </a:prstGeom>
         </p:spPr>
         <p:txBody>
-          <a:bodyPr anchor="t" rtlCol="false" tIns="0" lIns="0" bIns="0" rIns="0">
+          <a:bodyPr lIns="0" tIns="0" rIns="0" bIns="0" rtlCol="0" anchor="t">
             <a:spAutoFit/>
           </a:bodyPr>
           <a:lstStyle/>
           <a:p>
-            <a:pPr algn="ctr" marL="0" indent="0" lvl="0">
+            <a:pPr marL="0" lvl="0" indent="0" algn="ctr">
               <a:lnSpc>
                 <a:spcPts val="13015"/>
               </a:lnSpc>
@@ -5545,12 +5557,12 @@
       </p:sp>
       <p:sp>
         <p:nvSpPr>
-          <p:cNvPr name="TextBox 10" id="10"/>
-          <p:cNvSpPr txBox="true"/>
+          <p:cNvPr id="10" name="TextBox 10"/>
+          <p:cNvSpPr txBox="1"/>
           <p:nvPr/>
         </p:nvSpPr>
         <p:spPr>
-          <a:xfrm rot="0">
+          <a:xfrm>
             <a:off x="3125962" y="2858149"/>
             <a:ext cx="12036076" cy="1800860"/>
           </a:xfrm>
@@ -5559,7 +5571,7 @@
           </a:prstGeom>
         </p:spPr>
         <p:txBody>
-          <a:bodyPr anchor="t" rtlCol="false" tIns="0" lIns="0" bIns="0" rIns="0">
+          <a:bodyPr lIns="0" tIns="0" rIns="0" bIns="0" rtlCol="0" anchor="t">
             <a:spAutoFit/>
           </a:bodyPr>
           <a:lstStyle/>
@@ -5627,12 +5639,12 @@
       </p:sp>
       <p:sp>
         <p:nvSpPr>
-          <p:cNvPr name="TextBox 11" id="11"/>
-          <p:cNvSpPr txBox="true"/>
+          <p:cNvPr id="11" name="TextBox 11"/>
+          <p:cNvSpPr txBox="1"/>
           <p:nvPr/>
         </p:nvSpPr>
         <p:spPr>
-          <a:xfrm rot="0">
+          <a:xfrm>
             <a:off x="5835764" y="5243879"/>
             <a:ext cx="1813441" cy="414655"/>
           </a:xfrm>
@@ -5641,7 +5653,7 @@
           </a:prstGeom>
         </p:spPr>
         <p:txBody>
-          <a:bodyPr anchor="t" rtlCol="false" tIns="0" lIns="0" bIns="0" rIns="0">
+          <a:bodyPr lIns="0" tIns="0" rIns="0" bIns="0" rtlCol="0" anchor="t">
             <a:spAutoFit/>
           </a:bodyPr>
           <a:lstStyle/>
@@ -5671,12 +5683,12 @@
       </p:sp>
       <p:sp>
         <p:nvSpPr>
-          <p:cNvPr name="TextBox 12" id="12"/>
-          <p:cNvSpPr txBox="true"/>
+          <p:cNvPr id="12" name="TextBox 12"/>
+          <p:cNvSpPr txBox="1"/>
           <p:nvPr/>
         </p:nvSpPr>
         <p:spPr>
-          <a:xfrm rot="0">
+          <a:xfrm>
             <a:off x="10715971" y="5243879"/>
             <a:ext cx="1636871" cy="414655"/>
           </a:xfrm>
@@ -5685,7 +5697,7 @@
           </a:prstGeom>
         </p:spPr>
         <p:txBody>
-          <a:bodyPr anchor="t" rtlCol="false" tIns="0" lIns="0" bIns="0" rIns="0">
+          <a:bodyPr lIns="0" tIns="0" rIns="0" bIns="0" rtlCol="0" anchor="t">
             <a:spAutoFit/>
           </a:bodyPr>
           <a:lstStyle/>
@@ -5715,12 +5727,12 @@
       </p:sp>
       <p:sp>
         <p:nvSpPr>
-          <p:cNvPr name="TextBox 13" id="13"/>
-          <p:cNvSpPr txBox="true"/>
+          <p:cNvPr id="13" name="TextBox 13"/>
+          <p:cNvSpPr txBox="1"/>
           <p:nvPr/>
         </p:nvSpPr>
         <p:spPr>
-          <a:xfrm rot="0">
+          <a:xfrm>
             <a:off x="4798969" y="5843304"/>
             <a:ext cx="3844588" cy="2577084"/>
           </a:xfrm>
@@ -5729,7 +5741,7 @@
           </a:prstGeom>
         </p:spPr>
         <p:txBody>
-          <a:bodyPr anchor="t" rtlCol="false" tIns="0" lIns="0" bIns="0" rIns="0">
+          <a:bodyPr lIns="0" tIns="0" rIns="0" bIns="0" rtlCol="0" anchor="t">
             <a:spAutoFit/>
           </a:bodyPr>
           <a:lstStyle/>
@@ -5753,7 +5765,7 @@
             </a:r>
           </a:p>
           <a:p>
-            <a:pPr algn="l" marL="474979" indent="-237490" lvl="1">
+            <a:pPr marL="474979" lvl="1" indent="-237490" algn="l">
               <a:lnSpc>
                 <a:spcPts val="3409"/>
               </a:lnSpc>
@@ -5774,7 +5786,7 @@
             </a:r>
           </a:p>
           <a:p>
-            <a:pPr algn="l" marL="474979" indent="-237490" lvl="1">
+            <a:pPr marL="474979" lvl="1" indent="-237490" algn="l">
               <a:lnSpc>
                 <a:spcPts val="3497"/>
               </a:lnSpc>
@@ -5795,7 +5807,7 @@
             </a:r>
           </a:p>
           <a:p>
-            <a:pPr algn="l" marL="474979" indent="-237490" lvl="1">
+            <a:pPr marL="474979" lvl="1" indent="-237490" algn="l">
               <a:lnSpc>
                 <a:spcPts val="3497"/>
               </a:lnSpc>
@@ -5819,13 +5831,13 @@
       </p:sp>
       <p:sp>
         <p:nvSpPr>
-          <p:cNvPr name="TextBox 14" id="14"/>
-          <p:cNvSpPr txBox="true"/>
+          <p:cNvPr id="14" name="TextBox 14"/>
+          <p:cNvSpPr txBox="1"/>
           <p:nvPr/>
         </p:nvSpPr>
         <p:spPr>
-          <a:xfrm rot="0">
-            <a:off x="9612113" y="5805204"/>
+          <a:xfrm>
+            <a:off x="9862578" y="5856225"/>
             <a:ext cx="3844588" cy="2347468"/>
           </a:xfrm>
           <a:prstGeom prst="rect">
@@ -5833,7 +5845,7 @@
           </a:prstGeom>
         </p:spPr>
         <p:txBody>
-          <a:bodyPr anchor="t" rtlCol="false" tIns="0" lIns="0" bIns="0" rIns="0">
+          <a:bodyPr lIns="0" tIns="0" rIns="0" bIns="0" rtlCol="0" anchor="t">
             <a:spAutoFit/>
           </a:bodyPr>
           <a:lstStyle/>
@@ -5844,7 +5856,7 @@
               </a:lnSpc>
             </a:pPr>
             <a:r>
-              <a:rPr lang="en-US" sz="2199">
+              <a:rPr lang="en-US" sz="2199" dirty="0">
                 <a:solidFill>
                   <a:srgbClr val="FFFBFB"/>
                 </a:solidFill>
@@ -5857,7 +5869,7 @@
             </a:r>
           </a:p>
           <a:p>
-            <a:pPr algn="l" marL="474979" indent="-237490" lvl="1">
+            <a:pPr marL="474979" lvl="1" indent="-237490" algn="l">
               <a:lnSpc>
                 <a:spcPts val="3805"/>
               </a:lnSpc>
@@ -5865,7 +5877,7 @@
               <a:buChar char="•"/>
             </a:pPr>
             <a:r>
-              <a:rPr lang="en-US" sz="2199">
+              <a:rPr lang="en-US" sz="2199" dirty="0">
                 <a:solidFill>
                   <a:srgbClr val="FFFBFB"/>
                 </a:solidFill>
@@ -5878,7 +5890,7 @@
             </a:r>
           </a:p>
           <a:p>
-            <a:pPr algn="l" marL="474979" indent="-237490" lvl="1">
+            <a:pPr marL="474979" lvl="1" indent="-237490" algn="l">
               <a:lnSpc>
                 <a:spcPts val="3805"/>
               </a:lnSpc>
@@ -5886,7 +5898,7 @@
               <a:buChar char="•"/>
             </a:pPr>
             <a:r>
-              <a:rPr lang="en-US" sz="2199">
+              <a:rPr lang="en-US" sz="2199" dirty="0">
                 <a:solidFill>
                   <a:srgbClr val="FFFBFB"/>
                 </a:solidFill>
@@ -5899,7 +5911,7 @@
             </a:r>
           </a:p>
           <a:p>
-            <a:pPr algn="l" marL="474979" indent="-237490" lvl="1">
+            <a:pPr marL="474979" lvl="1" indent="-237490" algn="l">
               <a:lnSpc>
                 <a:spcPts val="3805"/>
               </a:lnSpc>
@@ -5907,7 +5919,7 @@
               <a:buChar char="•"/>
             </a:pPr>
             <a:r>
-              <a:rPr lang="en-US" sz="2199">
+              <a:rPr lang="en-US" sz="2199" dirty="0">
                 <a:solidFill>
                   <a:srgbClr val="FFFBFB"/>
                 </a:solidFill>
@@ -5923,12 +5935,12 @@
       </p:sp>
       <p:sp>
         <p:nvSpPr>
-          <p:cNvPr name="Freeform 15" id="15"/>
+          <p:cNvPr id="15" name="Freeform 15"/>
           <p:cNvSpPr/>
           <p:nvPr/>
         </p:nvSpPr>
         <p:spPr>
-          <a:xfrm flipH="false" flipV="false" rot="887923">
+          <a:xfrm rot="887923">
             <a:off x="-4484769" y="7466691"/>
             <a:ext cx="13977230" cy="14342307"/>
           </a:xfrm>
@@ -5937,9 +5949,9 @@
             <a:gdLst/>
             <a:ahLst/>
             <a:cxnLst/>
-            <a:rect r="r" b="b" t="t" l="l"/>
+            <a:rect l="l" t="t" r="r" b="b"/>
             <a:pathLst>
-              <a:path h="14342307" w="13977230">
+              <a:path w="13977230" h="14342307">
                 <a:moveTo>
                   <a:pt x="0" y="0"/>
                 </a:moveTo>
@@ -5968,19 +5980,19 @@
               </a:extLst>
             </a:blip>
             <a:stretch>
-              <a:fillRect l="0" t="0" r="0" b="0"/>
+              <a:fillRect/>
             </a:stretch>
           </a:blipFill>
         </p:spPr>
       </p:sp>
       <p:sp>
         <p:nvSpPr>
-          <p:cNvPr name="Freeform 16" id="16"/>
+          <p:cNvPr id="16" name="Freeform 16"/>
           <p:cNvSpPr/>
           <p:nvPr/>
         </p:nvSpPr>
         <p:spPr>
-          <a:xfrm flipH="false" flipV="false" rot="-10580377">
+          <a:xfrm rot="-10580377">
             <a:off x="16241448" y="-5591017"/>
             <a:ext cx="12102934" cy="12419055"/>
           </a:xfrm>
@@ -5989,9 +6001,9 @@
             <a:gdLst/>
             <a:ahLst/>
             <a:cxnLst/>
-            <a:rect r="r" b="b" t="t" l="l"/>
+            <a:rect l="l" t="t" r="r" b="b"/>
             <a:pathLst>
-              <a:path h="12419055" w="12102934">
+              <a:path w="12102934" h="12419055">
                 <a:moveTo>
                   <a:pt x="0" y="0"/>
                 </a:moveTo>
@@ -6020,7 +6032,7 @@
               </a:extLst>
             </a:blip>
             <a:stretch>
-              <a:fillRect l="0" t="0" r="0" b="0"/>
+              <a:fillRect/>
             </a:stretch>
           </a:blipFill>
         </p:spPr>
@@ -6034,13 +6046,14 @@
 </file>
 
 <file path=ppt/slides/slide5.xml><?xml version="1.0" encoding="utf-8"?>
-<p:sld xmlns:p="http://schemas.openxmlformats.org/presentationml/2006/main" xmlns:a="http://schemas.openxmlformats.org/drawingml/2006/main" xmlns:r="http://schemas.openxmlformats.org/officeDocument/2006/relationships">
+<p:sld xmlns:a="http://schemas.openxmlformats.org/drawingml/2006/main" xmlns:r="http://schemas.openxmlformats.org/officeDocument/2006/relationships" xmlns:p="http://schemas.openxmlformats.org/presentationml/2006/main">
   <p:cSld>
     <p:bg>
       <p:bgPr>
         <a:solidFill>
           <a:srgbClr val="F2F4F5"/>
         </a:solidFill>
+        <a:effectLst/>
       </p:bgPr>
     </p:bg>
     <p:spTree>
@@ -6059,12 +6072,12 @@
       </p:grpSpPr>
       <p:sp>
         <p:nvSpPr>
-          <p:cNvPr name="Freeform 2" id="2"/>
+          <p:cNvPr id="2" name="Freeform 2"/>
           <p:cNvSpPr/>
           <p:nvPr/>
         </p:nvSpPr>
         <p:spPr>
-          <a:xfrm flipH="false" flipV="false" rot="887923">
+          <a:xfrm rot="887923">
             <a:off x="-4129532" y="8152778"/>
             <a:ext cx="13977230" cy="14342307"/>
           </a:xfrm>
@@ -6073,9 +6086,9 @@
             <a:gdLst/>
             <a:ahLst/>
             <a:cxnLst/>
-            <a:rect r="r" b="b" t="t" l="l"/>
+            <a:rect l="l" t="t" r="r" b="b"/>
             <a:pathLst>
-              <a:path h="14342307" w="13977230">
+              <a:path w="13977230" h="14342307">
                 <a:moveTo>
                   <a:pt x="0" y="0"/>
                 </a:moveTo>
@@ -6104,19 +6117,19 @@
               </a:extLst>
             </a:blip>
             <a:stretch>
-              <a:fillRect l="0" t="0" r="0" b="0"/>
+              <a:fillRect/>
             </a:stretch>
           </a:blipFill>
         </p:spPr>
       </p:sp>
       <p:sp>
         <p:nvSpPr>
-          <p:cNvPr name="Freeform 3" id="3"/>
+          <p:cNvPr id="3" name="Freeform 3"/>
           <p:cNvSpPr/>
           <p:nvPr/>
         </p:nvSpPr>
         <p:spPr>
-          <a:xfrm flipH="false" flipV="false" rot="887923">
+          <a:xfrm rot="887923">
             <a:off x="13743010" y="-4039881"/>
             <a:ext cx="7032580" cy="7216267"/>
           </a:xfrm>
@@ -6125,9 +6138,9 @@
             <a:gdLst/>
             <a:ahLst/>
             <a:cxnLst/>
-            <a:rect r="r" b="b" t="t" l="l"/>
+            <a:rect l="l" t="t" r="r" b="b"/>
             <a:pathLst>
-              <a:path h="7216267" w="7032580">
+              <a:path w="7032580" h="7216267">
                 <a:moveTo>
                   <a:pt x="0" y="0"/>
                 </a:moveTo>
@@ -6156,19 +6169,19 @@
               </a:extLst>
             </a:blip>
             <a:stretch>
-              <a:fillRect l="0" t="0" r="0" b="0"/>
+              <a:fillRect/>
             </a:stretch>
           </a:blipFill>
         </p:spPr>
       </p:sp>
       <p:sp>
         <p:nvSpPr>
-          <p:cNvPr name="TextBox 4" id="4"/>
-          <p:cNvSpPr txBox="true"/>
+          <p:cNvPr id="4" name="TextBox 4"/>
+          <p:cNvSpPr txBox="1"/>
           <p:nvPr/>
         </p:nvSpPr>
         <p:spPr>
-          <a:xfrm rot="0">
+          <a:xfrm>
             <a:off x="1028700" y="866775"/>
             <a:ext cx="11192241" cy="1594138"/>
           </a:xfrm>
@@ -6177,12 +6190,12 @@
           </a:prstGeom>
         </p:spPr>
         <p:txBody>
-          <a:bodyPr anchor="t" rtlCol="false" tIns="0" lIns="0" bIns="0" rIns="0">
+          <a:bodyPr lIns="0" tIns="0" rIns="0" bIns="0" rtlCol="0" anchor="t">
             <a:spAutoFit/>
           </a:bodyPr>
           <a:lstStyle/>
           <a:p>
-            <a:pPr algn="l" marL="0" indent="0" lvl="0">
+            <a:pPr marL="0" lvl="0" indent="0" algn="l">
               <a:lnSpc>
                 <a:spcPts val="13015"/>
               </a:lnSpc>
@@ -6207,12 +6220,12 @@
       </p:sp>
       <p:grpSp>
         <p:nvGrpSpPr>
-          <p:cNvPr name="Group 5" id="5"/>
+          <p:cNvPr id="5" name="Group 5"/>
           <p:cNvGrpSpPr/>
           <p:nvPr/>
         </p:nvGrpSpPr>
         <p:grpSpPr>
-          <a:xfrm rot="0">
+          <a:xfrm>
             <a:off x="16967520" y="8856034"/>
             <a:ext cx="2094695" cy="2377721"/>
             <a:chOff x="0" y="0"/>
@@ -6221,12 +6234,12 @@
         </p:grpSpPr>
         <p:sp>
           <p:nvSpPr>
-            <p:cNvPr name="Freeform 6" id="6"/>
+            <p:cNvPr id="6" name="Freeform 6"/>
             <p:cNvSpPr/>
             <p:nvPr/>
           </p:nvSpPr>
           <p:spPr>
-            <a:xfrm flipH="false" flipV="false" rot="0">
+            <a:xfrm>
               <a:off x="0" y="0"/>
               <a:ext cx="551689" cy="626231"/>
             </a:xfrm>
@@ -6235,9 +6248,9 @@
               <a:gdLst/>
               <a:ahLst/>
               <a:cxnLst/>
-              <a:rect r="r" b="b" t="t" l="l"/>
+              <a:rect l="l" t="t" r="r" b="b"/>
               <a:pathLst>
-                <a:path h="626231" w="551689">
+                <a:path w="551689" h="626231">
                   <a:moveTo>
                     <a:pt x="0" y="0"/>
                   </a:moveTo>
@@ -6261,8 +6274,8 @@
         </p:sp>
         <p:sp>
           <p:nvSpPr>
-            <p:cNvPr name="TextBox 7" id="7"/>
-            <p:cNvSpPr txBox="true"/>
+            <p:cNvPr id="7" name="TextBox 7"/>
+            <p:cNvSpPr txBox="1"/>
             <p:nvPr/>
           </p:nvSpPr>
           <p:spPr>
@@ -6275,7 +6288,7 @@
             </a:prstGeom>
           </p:spPr>
           <p:txBody>
-            <a:bodyPr anchor="ctr" rtlCol="false" tIns="50800" lIns="50800" bIns="50800" rIns="50800"/>
+            <a:bodyPr lIns="50800" tIns="50800" rIns="50800" bIns="50800" rtlCol="0" anchor="ctr"/>
             <a:lstStyle/>
             <a:p>
               <a:pPr algn="ctr">
@@ -6283,18 +6296,19 @@
                   <a:spcPts val="2859"/>
                 </a:lnSpc>
               </a:pPr>
+              <a:endParaRPr/>
             </a:p>
           </p:txBody>
         </p:sp>
       </p:grpSp>
       <p:grpSp>
         <p:nvGrpSpPr>
-          <p:cNvPr name="Group 8" id="8"/>
+          <p:cNvPr id="8" name="Group 8"/>
           <p:cNvGrpSpPr/>
           <p:nvPr/>
         </p:nvGrpSpPr>
         <p:grpSpPr>
-          <a:xfrm rot="0">
+          <a:xfrm>
             <a:off x="-1047348" y="-1349021"/>
             <a:ext cx="2094695" cy="2377721"/>
             <a:chOff x="0" y="0"/>
@@ -6303,12 +6317,12 @@
         </p:grpSpPr>
         <p:sp>
           <p:nvSpPr>
-            <p:cNvPr name="Freeform 9" id="9"/>
+            <p:cNvPr id="9" name="Freeform 9"/>
             <p:cNvSpPr/>
             <p:nvPr/>
           </p:nvSpPr>
           <p:spPr>
-            <a:xfrm flipH="false" flipV="false" rot="0">
+            <a:xfrm>
               <a:off x="0" y="0"/>
               <a:ext cx="551689" cy="626231"/>
             </a:xfrm>
@@ -6317,9 +6331,9 @@
               <a:gdLst/>
               <a:ahLst/>
               <a:cxnLst/>
-              <a:rect r="r" b="b" t="t" l="l"/>
+              <a:rect l="l" t="t" r="r" b="b"/>
               <a:pathLst>
-                <a:path h="626231" w="551689">
+                <a:path w="551689" h="626231">
                   <a:moveTo>
                     <a:pt x="0" y="0"/>
                   </a:moveTo>
@@ -6343,8 +6357,8 @@
         </p:sp>
         <p:sp>
           <p:nvSpPr>
-            <p:cNvPr name="TextBox 10" id="10"/>
-            <p:cNvSpPr txBox="true"/>
+            <p:cNvPr id="10" name="TextBox 10"/>
+            <p:cNvSpPr txBox="1"/>
             <p:nvPr/>
           </p:nvSpPr>
           <p:spPr>
@@ -6357,7 +6371,7 @@
             </a:prstGeom>
           </p:spPr>
           <p:txBody>
-            <a:bodyPr anchor="ctr" rtlCol="false" tIns="50800" lIns="50800" bIns="50800" rIns="50800"/>
+            <a:bodyPr lIns="50800" tIns="50800" rIns="50800" bIns="50800" rtlCol="0" anchor="ctr"/>
             <a:lstStyle/>
             <a:p>
               <a:pPr algn="ctr">
@@ -6365,18 +6379,19 @@
                   <a:spcPts val="2859"/>
                 </a:lnSpc>
               </a:pPr>
+              <a:endParaRPr/>
             </a:p>
           </p:txBody>
         </p:sp>
       </p:grpSp>
       <p:sp>
         <p:nvSpPr>
-          <p:cNvPr name="TextBox 11" id="11"/>
-          <p:cNvSpPr txBox="true"/>
+          <p:cNvPr id="11" name="TextBox 11"/>
+          <p:cNvSpPr txBox="1"/>
           <p:nvPr/>
         </p:nvSpPr>
         <p:spPr>
-          <a:xfrm rot="0">
+          <a:xfrm>
             <a:off x="2324493" y="3037811"/>
             <a:ext cx="11738158" cy="2260195"/>
           </a:xfrm>
@@ -6385,7 +6400,7 @@
           </a:prstGeom>
         </p:spPr>
         <p:txBody>
-          <a:bodyPr anchor="t" rtlCol="false" tIns="0" lIns="0" bIns="0" rIns="0">
+          <a:bodyPr lIns="0" tIns="0" rIns="0" bIns="0" rtlCol="0" anchor="t">
             <a:spAutoFit/>
           </a:bodyPr>
           <a:lstStyle/>
@@ -6412,12 +6427,12 @@
       </p:sp>
       <p:sp>
         <p:nvSpPr>
-          <p:cNvPr name="TextBox 12" id="12"/>
-          <p:cNvSpPr txBox="true"/>
+          <p:cNvPr id="12" name="TextBox 12"/>
+          <p:cNvSpPr txBox="1"/>
           <p:nvPr/>
         </p:nvSpPr>
         <p:spPr>
-          <a:xfrm rot="0">
+          <a:xfrm>
             <a:off x="3813897" y="5915769"/>
             <a:ext cx="8382351" cy="569493"/>
           </a:xfrm>
@@ -6426,7 +6441,7 @@
           </a:prstGeom>
         </p:spPr>
         <p:txBody>
-          <a:bodyPr anchor="t" rtlCol="false" tIns="0" lIns="0" bIns="0" rIns="0">
+          <a:bodyPr lIns="0" tIns="0" rIns="0" bIns="0" rtlCol="0" anchor="t">
             <a:spAutoFit/>
           </a:bodyPr>
           <a:lstStyle/>
@@ -6453,12 +6468,12 @@
       </p:sp>
       <p:sp>
         <p:nvSpPr>
-          <p:cNvPr name="TextBox 13" id="13"/>
-          <p:cNvSpPr txBox="true"/>
+          <p:cNvPr id="13" name="TextBox 13"/>
+          <p:cNvSpPr txBox="1"/>
           <p:nvPr/>
         </p:nvSpPr>
         <p:spPr>
-          <a:xfrm rot="0">
+          <a:xfrm>
             <a:off x="3813897" y="6589310"/>
             <a:ext cx="2256681" cy="580390"/>
           </a:xfrm>
@@ -6467,12 +6482,12 @@
           </a:prstGeom>
         </p:spPr>
         <p:txBody>
-          <a:bodyPr anchor="t" rtlCol="false" tIns="0" lIns="0" bIns="0" rIns="0">
+          <a:bodyPr lIns="0" tIns="0" rIns="0" bIns="0" rtlCol="0" anchor="t">
             <a:spAutoFit/>
           </a:bodyPr>
           <a:lstStyle/>
           <a:p>
-            <a:pPr algn="ctr" marL="734059" indent="-367030" lvl="1">
+            <a:pPr marL="734059" lvl="1" indent="-367030" algn="ctr">
               <a:lnSpc>
                 <a:spcPts val="4759"/>
               </a:lnSpc>
@@ -6496,26 +6511,26 @@
       </p:sp>
       <p:sp>
         <p:nvSpPr>
-          <p:cNvPr name="TextBox 14" id="14"/>
-          <p:cNvSpPr txBox="true"/>
+          <p:cNvPr id="14" name="TextBox 14"/>
+          <p:cNvSpPr txBox="1"/>
           <p:nvPr/>
         </p:nvSpPr>
         <p:spPr>
-          <a:xfrm rot="0">
-            <a:off x="3813897" y="7103025"/>
-            <a:ext cx="9956453" cy="580390"/>
+          <a:xfrm>
+            <a:off x="3733800" y="7135325"/>
+            <a:ext cx="10195855" cy="580390"/>
           </a:xfrm>
           <a:prstGeom prst="rect">
             <a:avLst/>
           </a:prstGeom>
         </p:spPr>
         <p:txBody>
-          <a:bodyPr anchor="t" rtlCol="false" tIns="0" lIns="0" bIns="0" rIns="0">
+          <a:bodyPr wrap="square" lIns="0" tIns="0" rIns="0" bIns="0" rtlCol="0" anchor="t">
             <a:spAutoFit/>
           </a:bodyPr>
           <a:lstStyle/>
           <a:p>
-            <a:pPr algn="ctr" marL="734059" indent="-367030" lvl="1">
+            <a:pPr marL="734059" lvl="1" indent="-367030" algn="ctr">
               <a:lnSpc>
                 <a:spcPts val="4759"/>
               </a:lnSpc>
@@ -6523,7 +6538,7 @@
               <a:buChar char="•"/>
             </a:pPr>
             <a:r>
-              <a:rPr lang="en-US" sz="3399">
+              <a:rPr lang="en-US" sz="3399" dirty="0" err="1">
                 <a:solidFill>
                   <a:srgbClr val="231F20"/>
                 </a:solidFill>
@@ -6532,7 +6547,19 @@
                 <a:cs typeface="Canva Sans"/>
                 <a:sym typeface="Canva Sans"/>
               </a:rPr>
-              <a:t>Tf-IdfVectorizer and  cosine from scikit learn</a:t>
+              <a:t>Tf-Idf</a:t>
+            </a:r>
+            <a:r>
+              <a:rPr lang="en-US" sz="3399" dirty="0">
+                <a:solidFill>
+                  <a:srgbClr val="231F20"/>
+                </a:solidFill>
+                <a:latin typeface="Canva Sans"/>
+                <a:ea typeface="Canva Sans"/>
+                <a:cs typeface="Canva Sans"/>
+                <a:sym typeface="Canva Sans"/>
+              </a:rPr>
+              <a:t> Vectorizer and  cosine from scikit learn</a:t>
             </a:r>
           </a:p>
         </p:txBody>
@@ -6546,7 +6573,7 @@
 </file>
 
 <file path=ppt/slides/slide6.xml><?xml version="1.0" encoding="utf-8"?>
-<p:sld xmlns:p="http://schemas.openxmlformats.org/presentationml/2006/main" xmlns:a="http://schemas.openxmlformats.org/drawingml/2006/main" xmlns:r="http://schemas.openxmlformats.org/officeDocument/2006/relationships">
+<p:sld xmlns:a="http://schemas.openxmlformats.org/drawingml/2006/main" xmlns:r="http://schemas.openxmlformats.org/officeDocument/2006/relationships" xmlns:p="http://schemas.openxmlformats.org/presentationml/2006/main">
   <p:cSld>
     <p:spTree>
       <p:nvGrpSpPr>
@@ -6564,12 +6591,12 @@
       </p:grpSpPr>
       <p:sp>
         <p:nvSpPr>
-          <p:cNvPr name="Freeform 2" id="2"/>
+          <p:cNvPr id="2" name="Freeform 2"/>
           <p:cNvSpPr/>
           <p:nvPr/>
         </p:nvSpPr>
         <p:spPr>
-          <a:xfrm flipH="true" flipV="true" rot="0">
+          <a:xfrm flipH="1" flipV="1">
             <a:off x="0" y="0"/>
             <a:ext cx="18288000" cy="10287000"/>
           </a:xfrm>
@@ -6578,9 +6605,9 @@
             <a:gdLst/>
             <a:ahLst/>
             <a:cxnLst/>
-            <a:rect r="r" b="b" t="t" l="l"/>
+            <a:rect l="l" t="t" r="r" b="b"/>
             <a:pathLst>
-              <a:path h="10287000" w="18288000">
+              <a:path w="18288000" h="10287000">
                 <a:moveTo>
                   <a:pt x="18288000" y="10287000"/>
                 </a:moveTo>
@@ -6603,19 +6630,19 @@
           <a:blipFill>
             <a:blip r:embed="rId2"/>
             <a:stretch>
-              <a:fillRect l="0" t="-38888" r="0" b="-38888"/>
+              <a:fillRect t="-38888" b="-38888"/>
             </a:stretch>
           </a:blipFill>
         </p:spPr>
       </p:sp>
       <p:sp>
         <p:nvSpPr>
-          <p:cNvPr name="Freeform 3" id="3"/>
+          <p:cNvPr id="3" name="Freeform 3"/>
           <p:cNvSpPr/>
           <p:nvPr/>
         </p:nvSpPr>
         <p:spPr>
-          <a:xfrm flipH="false" flipV="false" rot="0">
+          <a:xfrm>
             <a:off x="8663659" y="6071953"/>
             <a:ext cx="960682" cy="1052540"/>
           </a:xfrm>
@@ -6624,9 +6651,9 @@
             <a:gdLst/>
             <a:ahLst/>
             <a:cxnLst/>
-            <a:rect r="r" b="b" t="t" l="l"/>
+            <a:rect l="l" t="t" r="r" b="b"/>
             <a:pathLst>
-              <a:path h="1052540" w="960682">
+              <a:path w="960682" h="1052540">
                 <a:moveTo>
                   <a:pt x="0" y="0"/>
                 </a:moveTo>
@@ -6655,19 +6682,19 @@
               </a:extLst>
             </a:blip>
             <a:stretch>
-              <a:fillRect l="0" t="0" r="0" b="0"/>
+              <a:fillRect/>
             </a:stretch>
           </a:blipFill>
         </p:spPr>
       </p:sp>
       <p:sp>
         <p:nvSpPr>
-          <p:cNvPr name="Freeform 4" id="4"/>
+          <p:cNvPr id="4" name="Freeform 4"/>
           <p:cNvSpPr/>
           <p:nvPr/>
         </p:nvSpPr>
         <p:spPr>
-          <a:xfrm flipH="false" flipV="false" rot="0">
+          <a:xfrm>
             <a:off x="4994936" y="7891202"/>
             <a:ext cx="1268693" cy="1211025"/>
           </a:xfrm>
@@ -6676,9 +6703,9 @@
             <a:gdLst/>
             <a:ahLst/>
             <a:cxnLst/>
-            <a:rect r="r" b="b" t="t" l="l"/>
+            <a:rect l="l" t="t" r="r" b="b"/>
             <a:pathLst>
-              <a:path h="1211025" w="1268693">
+              <a:path w="1268693" h="1211025">
                 <a:moveTo>
                   <a:pt x="0" y="0"/>
                 </a:moveTo>
@@ -6707,19 +6734,19 @@
               </a:extLst>
             </a:blip>
             <a:stretch>
-              <a:fillRect l="0" t="0" r="0" b="0"/>
+              <a:fillRect/>
             </a:stretch>
           </a:blipFill>
         </p:spPr>
       </p:sp>
       <p:sp>
         <p:nvSpPr>
-          <p:cNvPr name="Freeform 5" id="5"/>
+          <p:cNvPr id="5" name="Freeform 5"/>
           <p:cNvSpPr/>
           <p:nvPr/>
         </p:nvSpPr>
         <p:spPr>
-          <a:xfrm flipH="false" flipV="false" rot="0">
+          <a:xfrm>
             <a:off x="12106315" y="7936159"/>
             <a:ext cx="1104804" cy="1121111"/>
           </a:xfrm>
@@ -6728,9 +6755,9 @@
             <a:gdLst/>
             <a:ahLst/>
             <a:cxnLst/>
-            <a:rect r="r" b="b" t="t" l="l"/>
+            <a:rect l="l" t="t" r="r" b="b"/>
             <a:pathLst>
-              <a:path h="1121111" w="1104804">
+              <a:path w="1104804" h="1121111">
                 <a:moveTo>
                   <a:pt x="0" y="0"/>
                 </a:moveTo>
@@ -6759,19 +6786,19 @@
               </a:extLst>
             </a:blip>
             <a:stretch>
-              <a:fillRect l="0" t="0" r="0" b="0"/>
+              <a:fillRect/>
             </a:stretch>
           </a:blipFill>
         </p:spPr>
       </p:sp>
       <p:sp>
         <p:nvSpPr>
-          <p:cNvPr name="Freeform 6" id="6"/>
+          <p:cNvPr id="6" name="Freeform 6"/>
           <p:cNvSpPr/>
           <p:nvPr/>
         </p:nvSpPr>
         <p:spPr>
-          <a:xfrm flipH="false" flipV="false" rot="0">
+          <a:xfrm>
             <a:off x="14479722" y="-4833750"/>
             <a:ext cx="7616557" cy="7815497"/>
           </a:xfrm>
@@ -6780,9 +6807,9 @@
             <a:gdLst/>
             <a:ahLst/>
             <a:cxnLst/>
-            <a:rect r="r" b="b" t="t" l="l"/>
+            <a:rect l="l" t="t" r="r" b="b"/>
             <a:pathLst>
-              <a:path h="7815497" w="7616557">
+              <a:path w="7616557" h="7815497">
                 <a:moveTo>
                   <a:pt x="0" y="0"/>
                 </a:moveTo>
@@ -6811,19 +6838,19 @@
               </a:extLst>
             </a:blip>
             <a:stretch>
-              <a:fillRect l="0" t="0" r="0" b="0"/>
+              <a:fillRect/>
             </a:stretch>
           </a:blipFill>
         </p:spPr>
       </p:sp>
       <p:sp>
         <p:nvSpPr>
-          <p:cNvPr name="Freeform 7" id="7"/>
+          <p:cNvPr id="7" name="Freeform 7"/>
           <p:cNvSpPr/>
           <p:nvPr/>
         </p:nvSpPr>
         <p:spPr>
-          <a:xfrm flipH="false" flipV="false" rot="-4176364">
+          <a:xfrm rot="-4176364">
             <a:off x="-4105129" y="6530238"/>
             <a:ext cx="7616557" cy="7815497"/>
           </a:xfrm>
@@ -6832,9 +6859,9 @@
             <a:gdLst/>
             <a:ahLst/>
             <a:cxnLst/>
-            <a:rect r="r" b="b" t="t" l="l"/>
+            <a:rect l="l" t="t" r="r" b="b"/>
             <a:pathLst>
-              <a:path h="7815497" w="7616557">
+              <a:path w="7616557" h="7815497">
                 <a:moveTo>
                   <a:pt x="0" y="0"/>
                 </a:moveTo>
@@ -6863,19 +6890,19 @@
               </a:extLst>
             </a:blip>
             <a:stretch>
-              <a:fillRect l="0" t="0" r="0" b="0"/>
+              <a:fillRect/>
             </a:stretch>
           </a:blipFill>
         </p:spPr>
       </p:sp>
       <p:grpSp>
         <p:nvGrpSpPr>
-          <p:cNvPr name="Group 8" id="8"/>
+          <p:cNvPr id="8" name="Group 8"/>
           <p:cNvGrpSpPr/>
           <p:nvPr/>
         </p:nvGrpSpPr>
         <p:grpSpPr>
-          <a:xfrm rot="0">
+          <a:xfrm>
             <a:off x="2463543" y="1774508"/>
             <a:ext cx="12905978" cy="6737985"/>
             <a:chOff x="0" y="0"/>
@@ -6884,12 +6911,12 @@
         </p:grpSpPr>
         <p:sp>
           <p:nvSpPr>
-            <p:cNvPr name="Freeform 9" id="9"/>
+            <p:cNvPr id="9" name="Freeform 9"/>
             <p:cNvSpPr/>
             <p:nvPr/>
           </p:nvSpPr>
           <p:spPr>
-            <a:xfrm flipH="false" flipV="false" rot="0">
+            <a:xfrm>
               <a:off x="0" y="0"/>
               <a:ext cx="1556842" cy="812800"/>
             </a:xfrm>
@@ -6898,9 +6925,9 @@
               <a:gdLst/>
               <a:ahLst/>
               <a:cxnLst/>
-              <a:rect r="r" b="b" t="t" l="l"/>
+              <a:rect l="l" t="t" r="r" b="b"/>
               <a:pathLst>
-                <a:path h="812800" w="1556842">
+                <a:path w="1556842" h="812800">
                   <a:moveTo>
                     <a:pt x="0" y="0"/>
                   </a:moveTo>
@@ -6920,7 +6947,7 @@
             <a:blipFill>
               <a:blip r:embed="rId11"/>
               <a:stretch>
-                <a:fillRect l="-376" t="0" r="-376" b="0"/>
+                <a:fillRect l="-376" r="-376"/>
               </a:stretch>
             </a:blipFill>
           </p:spPr>
@@ -6928,21 +6955,21 @@
       </p:grpSp>
       <p:sp>
         <p:nvSpPr>
-          <p:cNvPr name="TextBox 10" id="10"/>
-          <p:cNvSpPr txBox="true"/>
+          <p:cNvPr id="10" name="TextBox 10"/>
+          <p:cNvSpPr txBox="1"/>
           <p:nvPr/>
         </p:nvSpPr>
         <p:spPr>
-          <a:xfrm rot="0">
-            <a:off x="1077109" y="178753"/>
-            <a:ext cx="7231856" cy="1368417"/>
+          <a:xfrm>
+            <a:off x="1077108" y="178753"/>
+            <a:ext cx="9514691" cy="1342099"/>
           </a:xfrm>
           <a:prstGeom prst="rect">
             <a:avLst/>
           </a:prstGeom>
         </p:spPr>
         <p:txBody>
-          <a:bodyPr anchor="t" rtlCol="false" tIns="0" lIns="0" bIns="0" rIns="0">
+          <a:bodyPr wrap="square" lIns="0" tIns="0" rIns="0" bIns="0" rtlCol="0" anchor="t">
             <a:spAutoFit/>
           </a:bodyPr>
           <a:lstStyle/>
@@ -6953,7 +6980,7 @@
               </a:lnSpc>
             </a:pPr>
             <a:r>
-              <a:rPr lang="en-US" sz="8000">
+              <a:rPr lang="en-US" sz="8000" dirty="0">
                 <a:solidFill>
                   <a:srgbClr val="000000"/>
                 </a:solidFill>
@@ -6969,12 +6996,12 @@
       </p:sp>
       <p:sp>
         <p:nvSpPr>
-          <p:cNvPr name="TextBox 11" id="11"/>
-          <p:cNvSpPr txBox="true"/>
+          <p:cNvPr id="11" name="TextBox 11"/>
+          <p:cNvSpPr txBox="1"/>
           <p:nvPr/>
         </p:nvSpPr>
         <p:spPr>
-          <a:xfrm rot="0">
+          <a:xfrm>
             <a:off x="4458297" y="8778695"/>
             <a:ext cx="8410724" cy="580390"/>
           </a:xfrm>
@@ -6983,7 +7010,7 @@
           </a:prstGeom>
         </p:spPr>
         <p:txBody>
-          <a:bodyPr anchor="t" rtlCol="false" tIns="0" lIns="0" bIns="0" rIns="0">
+          <a:bodyPr lIns="0" tIns="0" rIns="0" bIns="0" rtlCol="0" anchor="t">
             <a:spAutoFit/>
           </a:bodyPr>
           <a:lstStyle/>
@@ -7017,7 +7044,7 @@
 </file>
 
 <file path=ppt/slides/slide7.xml><?xml version="1.0" encoding="utf-8"?>
-<p:sld xmlns:p="http://schemas.openxmlformats.org/presentationml/2006/main" xmlns:a="http://schemas.openxmlformats.org/drawingml/2006/main" xmlns:r="http://schemas.openxmlformats.org/officeDocument/2006/relationships">
+<p:sld xmlns:a="http://schemas.openxmlformats.org/drawingml/2006/main" xmlns:r="http://schemas.openxmlformats.org/officeDocument/2006/relationships" xmlns:p="http://schemas.openxmlformats.org/presentationml/2006/main">
   <p:cSld>
     <p:spTree>
       <p:nvGrpSpPr>
@@ -7035,12 +7062,12 @@
       </p:grpSpPr>
       <p:sp>
         <p:nvSpPr>
-          <p:cNvPr name="Freeform 2" id="2"/>
+          <p:cNvPr id="2" name="Freeform 2"/>
           <p:cNvSpPr/>
           <p:nvPr/>
         </p:nvSpPr>
         <p:spPr>
-          <a:xfrm flipH="true" flipV="true" rot="0">
+          <a:xfrm flipH="1" flipV="1">
             <a:off x="0" y="0"/>
             <a:ext cx="18288000" cy="10287000"/>
           </a:xfrm>
@@ -7049,9 +7076,9 @@
             <a:gdLst/>
             <a:ahLst/>
             <a:cxnLst/>
-            <a:rect r="r" b="b" t="t" l="l"/>
+            <a:rect l="l" t="t" r="r" b="b"/>
             <a:pathLst>
-              <a:path h="10287000" w="18288000">
+              <a:path w="18288000" h="10287000">
                 <a:moveTo>
                   <a:pt x="18288000" y="10287000"/>
                 </a:moveTo>
@@ -7074,19 +7101,19 @@
           <a:blipFill>
             <a:blip r:embed="rId2"/>
             <a:stretch>
-              <a:fillRect l="0" t="-38888" r="0" b="-38888"/>
+              <a:fillRect t="-38888" b="-38888"/>
             </a:stretch>
           </a:blipFill>
         </p:spPr>
       </p:sp>
       <p:sp>
         <p:nvSpPr>
-          <p:cNvPr name="Freeform 3" id="3"/>
+          <p:cNvPr id="3" name="Freeform 3"/>
           <p:cNvSpPr/>
           <p:nvPr/>
         </p:nvSpPr>
         <p:spPr>
-          <a:xfrm flipH="false" flipV="false" rot="0">
+          <a:xfrm>
             <a:off x="8663659" y="6071953"/>
             <a:ext cx="960682" cy="1052540"/>
           </a:xfrm>
@@ -7095,9 +7122,9 @@
             <a:gdLst/>
             <a:ahLst/>
             <a:cxnLst/>
-            <a:rect r="r" b="b" t="t" l="l"/>
+            <a:rect l="l" t="t" r="r" b="b"/>
             <a:pathLst>
-              <a:path h="1052540" w="960682">
+              <a:path w="960682" h="1052540">
                 <a:moveTo>
                   <a:pt x="0" y="0"/>
                 </a:moveTo>
@@ -7126,19 +7153,19 @@
               </a:extLst>
             </a:blip>
             <a:stretch>
-              <a:fillRect l="0" t="0" r="0" b="0"/>
+              <a:fillRect/>
             </a:stretch>
           </a:blipFill>
         </p:spPr>
       </p:sp>
       <p:sp>
         <p:nvSpPr>
-          <p:cNvPr name="Freeform 4" id="4"/>
+          <p:cNvPr id="4" name="Freeform 4"/>
           <p:cNvSpPr/>
           <p:nvPr/>
         </p:nvSpPr>
         <p:spPr>
-          <a:xfrm flipH="false" flipV="false" rot="0">
+          <a:xfrm>
             <a:off x="4994936" y="7891202"/>
             <a:ext cx="1268693" cy="1211025"/>
           </a:xfrm>
@@ -7147,9 +7174,9 @@
             <a:gdLst/>
             <a:ahLst/>
             <a:cxnLst/>
-            <a:rect r="r" b="b" t="t" l="l"/>
+            <a:rect l="l" t="t" r="r" b="b"/>
             <a:pathLst>
-              <a:path h="1211025" w="1268693">
+              <a:path w="1268693" h="1211025">
                 <a:moveTo>
                   <a:pt x="0" y="0"/>
                 </a:moveTo>
@@ -7178,19 +7205,19 @@
               </a:extLst>
             </a:blip>
             <a:stretch>
-              <a:fillRect l="0" t="0" r="0" b="0"/>
+              <a:fillRect/>
             </a:stretch>
           </a:blipFill>
         </p:spPr>
       </p:sp>
       <p:sp>
         <p:nvSpPr>
-          <p:cNvPr name="Freeform 5" id="5"/>
+          <p:cNvPr id="5" name="Freeform 5"/>
           <p:cNvSpPr/>
           <p:nvPr/>
         </p:nvSpPr>
         <p:spPr>
-          <a:xfrm flipH="false" flipV="false" rot="0">
+          <a:xfrm>
             <a:off x="12106315" y="7936159"/>
             <a:ext cx="1104804" cy="1121111"/>
           </a:xfrm>
@@ -7199,9 +7226,9 @@
             <a:gdLst/>
             <a:ahLst/>
             <a:cxnLst/>
-            <a:rect r="r" b="b" t="t" l="l"/>
+            <a:rect l="l" t="t" r="r" b="b"/>
             <a:pathLst>
-              <a:path h="1121111" w="1104804">
+              <a:path w="1104804" h="1121111">
                 <a:moveTo>
                   <a:pt x="0" y="0"/>
                 </a:moveTo>
@@ -7230,19 +7257,19 @@
               </a:extLst>
             </a:blip>
             <a:stretch>
-              <a:fillRect l="0" t="0" r="0" b="0"/>
+              <a:fillRect/>
             </a:stretch>
           </a:blipFill>
         </p:spPr>
       </p:sp>
       <p:sp>
         <p:nvSpPr>
-          <p:cNvPr name="Freeform 6" id="6"/>
+          <p:cNvPr id="6" name="Freeform 6"/>
           <p:cNvSpPr/>
           <p:nvPr/>
         </p:nvSpPr>
         <p:spPr>
-          <a:xfrm flipH="false" flipV="false" rot="0">
+          <a:xfrm>
             <a:off x="14479722" y="-4833750"/>
             <a:ext cx="7616557" cy="7815497"/>
           </a:xfrm>
@@ -7251,9 +7278,9 @@
             <a:gdLst/>
             <a:ahLst/>
             <a:cxnLst/>
-            <a:rect r="r" b="b" t="t" l="l"/>
+            <a:rect l="l" t="t" r="r" b="b"/>
             <a:pathLst>
-              <a:path h="7815497" w="7616557">
+              <a:path w="7616557" h="7815497">
                 <a:moveTo>
                   <a:pt x="0" y="0"/>
                 </a:moveTo>
@@ -7282,19 +7309,19 @@
               </a:extLst>
             </a:blip>
             <a:stretch>
-              <a:fillRect l="0" t="0" r="0" b="0"/>
+              <a:fillRect/>
             </a:stretch>
           </a:blipFill>
         </p:spPr>
       </p:sp>
       <p:sp>
         <p:nvSpPr>
-          <p:cNvPr name="Freeform 7" id="7"/>
+          <p:cNvPr id="7" name="Freeform 7"/>
           <p:cNvSpPr/>
           <p:nvPr/>
         </p:nvSpPr>
         <p:spPr>
-          <a:xfrm flipH="false" flipV="false" rot="-4176364">
+          <a:xfrm rot="-4176364">
             <a:off x="-4105129" y="6530238"/>
             <a:ext cx="7616557" cy="7815497"/>
           </a:xfrm>
@@ -7303,9 +7330,9 @@
             <a:gdLst/>
             <a:ahLst/>
             <a:cxnLst/>
-            <a:rect r="r" b="b" t="t" l="l"/>
+            <a:rect l="l" t="t" r="r" b="b"/>
             <a:pathLst>
-              <a:path h="7815497" w="7616557">
+              <a:path w="7616557" h="7815497">
                 <a:moveTo>
                   <a:pt x="0" y="0"/>
                 </a:moveTo>
@@ -7334,20 +7361,20 @@
               </a:extLst>
             </a:blip>
             <a:stretch>
-              <a:fillRect l="0" t="0" r="0" b="0"/>
+              <a:fillRect/>
             </a:stretch>
           </a:blipFill>
         </p:spPr>
       </p:sp>
       <p:grpSp>
         <p:nvGrpSpPr>
-          <p:cNvPr name="Group 8" id="8"/>
+          <p:cNvPr id="8" name="Group 8"/>
           <p:cNvGrpSpPr/>
           <p:nvPr/>
         </p:nvGrpSpPr>
         <p:grpSpPr>
-          <a:xfrm rot="0">
-            <a:off x="2463543" y="1774508"/>
+          <a:xfrm>
+            <a:off x="2438400" y="1813831"/>
             <a:ext cx="12905978" cy="6737985"/>
             <a:chOff x="0" y="0"/>
             <a:chExt cx="1556842" cy="812800"/>
@@ -7355,12 +7382,12 @@
         </p:grpSpPr>
         <p:sp>
           <p:nvSpPr>
-            <p:cNvPr name="Freeform 9" id="9"/>
+            <p:cNvPr id="9" name="Freeform 9"/>
             <p:cNvSpPr/>
             <p:nvPr/>
           </p:nvSpPr>
           <p:spPr>
-            <a:xfrm flipH="false" flipV="false" rot="0">
+            <a:xfrm>
               <a:off x="0" y="0"/>
               <a:ext cx="1556842" cy="812800"/>
             </a:xfrm>
@@ -7369,9 +7396,9 @@
               <a:gdLst/>
               <a:ahLst/>
               <a:cxnLst/>
-              <a:rect r="r" b="b" t="t" l="l"/>
+              <a:rect l="l" t="t" r="r" b="b"/>
               <a:pathLst>
-                <a:path h="812800" w="1556842">
+                <a:path w="1556842" h="812800">
                   <a:moveTo>
                     <a:pt x="0" y="0"/>
                   </a:moveTo>
@@ -7391,7 +7418,7 @@
             <a:blipFill>
               <a:blip r:embed="rId11"/>
               <a:stretch>
-                <a:fillRect l="-376" t="0" r="-376" b="0"/>
+                <a:fillRect l="-376" r="-376"/>
               </a:stretch>
             </a:blipFill>
           </p:spPr>
@@ -7399,21 +7426,21 @@
       </p:grpSp>
       <p:sp>
         <p:nvSpPr>
-          <p:cNvPr name="TextBox 10" id="10"/>
-          <p:cNvSpPr txBox="true"/>
+          <p:cNvPr id="10" name="TextBox 10"/>
+          <p:cNvSpPr txBox="1"/>
           <p:nvPr/>
         </p:nvSpPr>
         <p:spPr>
-          <a:xfrm rot="0">
-            <a:off x="1077109" y="178753"/>
-            <a:ext cx="7231856" cy="1368417"/>
+          <a:xfrm>
+            <a:off x="1219200" y="214866"/>
+            <a:ext cx="9057491" cy="1342099"/>
           </a:xfrm>
           <a:prstGeom prst="rect">
             <a:avLst/>
           </a:prstGeom>
         </p:spPr>
         <p:txBody>
-          <a:bodyPr anchor="t" rtlCol="false" tIns="0" lIns="0" bIns="0" rIns="0">
+          <a:bodyPr wrap="square" lIns="0" tIns="0" rIns="0" bIns="0" rtlCol="0" anchor="t">
             <a:spAutoFit/>
           </a:bodyPr>
           <a:lstStyle/>
@@ -7424,7 +7451,7 @@
               </a:lnSpc>
             </a:pPr>
             <a:r>
-              <a:rPr lang="en-US" sz="8000">
+              <a:rPr lang="en-US" sz="8000" dirty="0">
                 <a:solidFill>
                   <a:srgbClr val="000000"/>
                 </a:solidFill>
@@ -7440,12 +7467,12 @@
       </p:sp>
       <p:sp>
         <p:nvSpPr>
-          <p:cNvPr name="TextBox 11" id="11"/>
-          <p:cNvSpPr txBox="true"/>
+          <p:cNvPr id="11" name="TextBox 11"/>
+          <p:cNvSpPr txBox="1"/>
           <p:nvPr/>
         </p:nvSpPr>
         <p:spPr>
-          <a:xfrm rot="0">
+          <a:xfrm>
             <a:off x="4089648" y="8778695"/>
             <a:ext cx="10108704" cy="580390"/>
           </a:xfrm>
@@ -7454,7 +7481,7 @@
           </a:prstGeom>
         </p:spPr>
         <p:txBody>
-          <a:bodyPr anchor="t" rtlCol="false" tIns="0" lIns="0" bIns="0" rIns="0">
+          <a:bodyPr lIns="0" tIns="0" rIns="0" bIns="0" rtlCol="0" anchor="t">
             <a:spAutoFit/>
           </a:bodyPr>
           <a:lstStyle/>
@@ -7480,6 +7507,412 @@
         </p:txBody>
       </p:sp>
     </p:spTree>
+  </p:cSld>
+  <p:clrMapOvr>
+    <a:masterClrMapping/>
+  </p:clrMapOvr>
+</p:sld>
+</file>
+
+<file path=ppt/slides/slide8.xml><?xml version="1.0" encoding="utf-8"?>
+<p:sld xmlns:a="http://schemas.openxmlformats.org/drawingml/2006/main" xmlns:r="http://schemas.openxmlformats.org/officeDocument/2006/relationships" xmlns:p="http://schemas.openxmlformats.org/presentationml/2006/main">
+  <p:cSld>
+    <p:spTree>
+      <p:nvGrpSpPr>
+        <p:cNvPr id="1" name=""/>
+        <p:cNvGrpSpPr/>
+        <p:nvPr/>
+      </p:nvGrpSpPr>
+      <p:grpSpPr>
+        <a:xfrm>
+          <a:off x="0" y="0"/>
+          <a:ext cx="0" cy="0"/>
+          <a:chOff x="0" y="0"/>
+          <a:chExt cx="0" cy="0"/>
+        </a:xfrm>
+      </p:grpSpPr>
+      <p:sp>
+        <p:nvSpPr>
+          <p:cNvPr id="2" name="Freeform 2"/>
+          <p:cNvSpPr/>
+          <p:nvPr/>
+        </p:nvSpPr>
+        <p:spPr>
+          <a:xfrm flipH="1" flipV="1">
+            <a:off x="0" y="0"/>
+            <a:ext cx="18288000" cy="10287000"/>
+          </a:xfrm>
+          <a:custGeom>
+            <a:avLst/>
+            <a:gdLst/>
+            <a:ahLst/>
+            <a:cxnLst/>
+            <a:rect l="l" t="t" r="r" b="b"/>
+            <a:pathLst>
+              <a:path w="18288000" h="10287000">
+                <a:moveTo>
+                  <a:pt x="18288000" y="10287000"/>
+                </a:moveTo>
+                <a:lnTo>
+                  <a:pt x="0" y="10287000"/>
+                </a:lnTo>
+                <a:lnTo>
+                  <a:pt x="0" y="0"/>
+                </a:lnTo>
+                <a:lnTo>
+                  <a:pt x="18288000" y="0"/>
+                </a:lnTo>
+                <a:lnTo>
+                  <a:pt x="18288000" y="10287000"/>
+                </a:lnTo>
+                <a:close/>
+              </a:path>
+            </a:pathLst>
+          </a:custGeom>
+          <a:blipFill>
+            <a:blip r:embed="rId2"/>
+            <a:stretch>
+              <a:fillRect t="-38888" b="-38888"/>
+            </a:stretch>
+          </a:blipFill>
+        </p:spPr>
+      </p:sp>
+      <p:sp>
+        <p:nvSpPr>
+          <p:cNvPr id="3" name="Freeform 3"/>
+          <p:cNvSpPr/>
+          <p:nvPr/>
+        </p:nvSpPr>
+        <p:spPr>
+          <a:xfrm>
+            <a:off x="8663659" y="6071953"/>
+            <a:ext cx="960682" cy="1052540"/>
+          </a:xfrm>
+          <a:custGeom>
+            <a:avLst/>
+            <a:gdLst/>
+            <a:ahLst/>
+            <a:cxnLst/>
+            <a:rect l="l" t="t" r="r" b="b"/>
+            <a:pathLst>
+              <a:path w="960682" h="1052540">
+                <a:moveTo>
+                  <a:pt x="0" y="0"/>
+                </a:moveTo>
+                <a:lnTo>
+                  <a:pt x="960682" y="0"/>
+                </a:lnTo>
+                <a:lnTo>
+                  <a:pt x="960682" y="1052541"/>
+                </a:lnTo>
+                <a:lnTo>
+                  <a:pt x="0" y="1052541"/>
+                </a:lnTo>
+                <a:lnTo>
+                  <a:pt x="0" y="0"/>
+                </a:lnTo>
+                <a:close/>
+              </a:path>
+            </a:pathLst>
+          </a:custGeom>
+          <a:blipFill>
+            <a:blip r:embed="rId3">
+              <a:extLst>
+                <a:ext uri="{96DAC541-7B7A-43D3-8B79-37D633B846F1}">
+                  <asvg:svgBlip xmlns:asvg="http://schemas.microsoft.com/office/drawing/2016/SVG/main" r:embed="rId4"/>
+                </a:ext>
+              </a:extLst>
+            </a:blip>
+            <a:stretch>
+              <a:fillRect/>
+            </a:stretch>
+          </a:blipFill>
+        </p:spPr>
+      </p:sp>
+      <p:sp>
+        <p:nvSpPr>
+          <p:cNvPr id="4" name="Freeform 4"/>
+          <p:cNvSpPr/>
+          <p:nvPr/>
+        </p:nvSpPr>
+        <p:spPr>
+          <a:xfrm>
+            <a:off x="4994936" y="7891202"/>
+            <a:ext cx="1268693" cy="1211025"/>
+          </a:xfrm>
+          <a:custGeom>
+            <a:avLst/>
+            <a:gdLst/>
+            <a:ahLst/>
+            <a:cxnLst/>
+            <a:rect l="l" t="t" r="r" b="b"/>
+            <a:pathLst>
+              <a:path w="1268693" h="1211025">
+                <a:moveTo>
+                  <a:pt x="0" y="0"/>
+                </a:moveTo>
+                <a:lnTo>
+                  <a:pt x="1268693" y="0"/>
+                </a:lnTo>
+                <a:lnTo>
+                  <a:pt x="1268693" y="1211025"/>
+                </a:lnTo>
+                <a:lnTo>
+                  <a:pt x="0" y="1211025"/>
+                </a:lnTo>
+                <a:lnTo>
+                  <a:pt x="0" y="0"/>
+                </a:lnTo>
+                <a:close/>
+              </a:path>
+            </a:pathLst>
+          </a:custGeom>
+          <a:blipFill>
+            <a:blip r:embed="rId5">
+              <a:extLst>
+                <a:ext uri="{96DAC541-7B7A-43D3-8B79-37D633B846F1}">
+                  <asvg:svgBlip xmlns:asvg="http://schemas.microsoft.com/office/drawing/2016/SVG/main" r:embed="rId6"/>
+                </a:ext>
+              </a:extLst>
+            </a:blip>
+            <a:stretch>
+              <a:fillRect/>
+            </a:stretch>
+          </a:blipFill>
+        </p:spPr>
+      </p:sp>
+      <p:sp>
+        <p:nvSpPr>
+          <p:cNvPr id="5" name="Freeform 5"/>
+          <p:cNvSpPr/>
+          <p:nvPr/>
+        </p:nvSpPr>
+        <p:spPr>
+          <a:xfrm>
+            <a:off x="12106315" y="7936159"/>
+            <a:ext cx="1104804" cy="1121111"/>
+          </a:xfrm>
+          <a:custGeom>
+            <a:avLst/>
+            <a:gdLst/>
+            <a:ahLst/>
+            <a:cxnLst/>
+            <a:rect l="l" t="t" r="r" b="b"/>
+            <a:pathLst>
+              <a:path w="1104804" h="1121111">
+                <a:moveTo>
+                  <a:pt x="0" y="0"/>
+                </a:moveTo>
+                <a:lnTo>
+                  <a:pt x="1104805" y="0"/>
+                </a:lnTo>
+                <a:lnTo>
+                  <a:pt x="1104805" y="1121111"/>
+                </a:lnTo>
+                <a:lnTo>
+                  <a:pt x="0" y="1121111"/>
+                </a:lnTo>
+                <a:lnTo>
+                  <a:pt x="0" y="0"/>
+                </a:lnTo>
+                <a:close/>
+              </a:path>
+            </a:pathLst>
+          </a:custGeom>
+          <a:blipFill>
+            <a:blip r:embed="rId7">
+              <a:extLst>
+                <a:ext uri="{96DAC541-7B7A-43D3-8B79-37D633B846F1}">
+                  <asvg:svgBlip xmlns:asvg="http://schemas.microsoft.com/office/drawing/2016/SVG/main" r:embed="rId8"/>
+                </a:ext>
+              </a:extLst>
+            </a:blip>
+            <a:stretch>
+              <a:fillRect/>
+            </a:stretch>
+          </a:blipFill>
+        </p:spPr>
+      </p:sp>
+      <p:sp>
+        <p:nvSpPr>
+          <p:cNvPr id="6" name="Freeform 6"/>
+          <p:cNvSpPr/>
+          <p:nvPr/>
+        </p:nvSpPr>
+        <p:spPr>
+          <a:xfrm>
+            <a:off x="14479722" y="-4833750"/>
+            <a:ext cx="7616557" cy="7815497"/>
+          </a:xfrm>
+          <a:custGeom>
+            <a:avLst/>
+            <a:gdLst/>
+            <a:ahLst/>
+            <a:cxnLst/>
+            <a:rect l="l" t="t" r="r" b="b"/>
+            <a:pathLst>
+              <a:path w="7616557" h="7815497">
+                <a:moveTo>
+                  <a:pt x="0" y="0"/>
+                </a:moveTo>
+                <a:lnTo>
+                  <a:pt x="7616556" y="0"/>
+                </a:lnTo>
+                <a:lnTo>
+                  <a:pt x="7616556" y="7815497"/>
+                </a:lnTo>
+                <a:lnTo>
+                  <a:pt x="0" y="7815497"/>
+                </a:lnTo>
+                <a:lnTo>
+                  <a:pt x="0" y="0"/>
+                </a:lnTo>
+                <a:close/>
+              </a:path>
+            </a:pathLst>
+          </a:custGeom>
+          <a:blipFill>
+            <a:blip r:embed="rId9">
+              <a:extLst>
+                <a:ext uri="{96DAC541-7B7A-43D3-8B79-37D633B846F1}">
+                  <asvg:svgBlip xmlns:asvg="http://schemas.microsoft.com/office/drawing/2016/SVG/main" r:embed="rId10"/>
+                </a:ext>
+              </a:extLst>
+            </a:blip>
+            <a:stretch>
+              <a:fillRect/>
+            </a:stretch>
+          </a:blipFill>
+        </p:spPr>
+      </p:sp>
+      <p:sp>
+        <p:nvSpPr>
+          <p:cNvPr id="7" name="Freeform 7"/>
+          <p:cNvSpPr/>
+          <p:nvPr/>
+        </p:nvSpPr>
+        <p:spPr>
+          <a:xfrm rot="-4176364">
+            <a:off x="-4105129" y="6530238"/>
+            <a:ext cx="7616557" cy="7815497"/>
+          </a:xfrm>
+          <a:custGeom>
+            <a:avLst/>
+            <a:gdLst/>
+            <a:ahLst/>
+            <a:cxnLst/>
+            <a:rect l="l" t="t" r="r" b="b"/>
+            <a:pathLst>
+              <a:path w="7616557" h="7815497">
+                <a:moveTo>
+                  <a:pt x="0" y="0"/>
+                </a:moveTo>
+                <a:lnTo>
+                  <a:pt x="7616556" y="0"/>
+                </a:lnTo>
+                <a:lnTo>
+                  <a:pt x="7616556" y="7815496"/>
+                </a:lnTo>
+                <a:lnTo>
+                  <a:pt x="0" y="7815496"/>
+                </a:lnTo>
+                <a:lnTo>
+                  <a:pt x="0" y="0"/>
+                </a:lnTo>
+                <a:close/>
+              </a:path>
+            </a:pathLst>
+          </a:custGeom>
+          <a:blipFill>
+            <a:blip r:embed="rId9">
+              <a:extLst>
+                <a:ext uri="{96DAC541-7B7A-43D3-8B79-37D633B846F1}">
+                  <asvg:svgBlip xmlns:asvg="http://schemas.microsoft.com/office/drawing/2016/SVG/main" r:embed="rId10"/>
+                </a:ext>
+              </a:extLst>
+            </a:blip>
+            <a:stretch>
+              <a:fillRect/>
+            </a:stretch>
+          </a:blipFill>
+        </p:spPr>
+      </p:sp>
+      <p:sp>
+        <p:nvSpPr>
+          <p:cNvPr id="10" name="TextBox 10"/>
+          <p:cNvSpPr txBox="1"/>
+          <p:nvPr/>
+        </p:nvSpPr>
+        <p:spPr>
+          <a:xfrm>
+            <a:off x="1077109" y="178753"/>
+            <a:ext cx="7231856" cy="1368417"/>
+          </a:xfrm>
+          <a:prstGeom prst="rect">
+            <a:avLst/>
+          </a:prstGeom>
+        </p:spPr>
+        <p:txBody>
+          <a:bodyPr lIns="0" tIns="0" rIns="0" bIns="0" rtlCol="0" anchor="t">
+            <a:spAutoFit/>
+          </a:bodyPr>
+          <a:lstStyle/>
+          <a:p>
+            <a:pPr algn="ctr">
+              <a:lnSpc>
+                <a:spcPts val="11200"/>
+              </a:lnSpc>
+            </a:pPr>
+            <a:r>
+              <a:rPr lang="en-US" sz="8000" dirty="0">
+                <a:solidFill>
+                  <a:srgbClr val="000000"/>
+                </a:solidFill>
+                <a:latin typeface="Canva Sans Bold"/>
+                <a:ea typeface="Canva Sans Bold"/>
+                <a:cs typeface="Canva Sans Bold"/>
+                <a:sym typeface="Canva Sans Bold"/>
+              </a:rPr>
+              <a:t>Frontend</a:t>
+            </a:r>
+          </a:p>
+        </p:txBody>
+      </p:sp>
+      <p:pic>
+        <p:nvPicPr>
+          <p:cNvPr id="15" name="Picture 14">
+            <a:extLst>
+              <a:ext uri="{FF2B5EF4-FFF2-40B4-BE49-F238E27FC236}">
+                <a16:creationId xmlns:a16="http://schemas.microsoft.com/office/drawing/2014/main" id="{3D6ABC66-A3D4-3877-8377-76525B458DD7}"/>
+              </a:ext>
+            </a:extLst>
+          </p:cNvPr>
+          <p:cNvPicPr>
+            <a:picLocks noChangeAspect="1"/>
+          </p:cNvPicPr>
+          <p:nvPr/>
+        </p:nvPicPr>
+        <p:blipFill rotWithShape="1">
+          <a:blip r:embed="rId11"/>
+          <a:srcRect t="11121"/>
+          <a:stretch/>
+        </p:blipFill>
+        <p:spPr>
+          <a:xfrm>
+            <a:off x="2290444" y="1758801"/>
+            <a:ext cx="13707111" cy="6848046"/>
+          </a:xfrm>
+          <a:prstGeom prst="rect">
+            <a:avLst/>
+          </a:prstGeom>
+        </p:spPr>
+      </p:pic>
+    </p:spTree>
+    <p:extLst>
+      <p:ext uri="{BB962C8B-B14F-4D97-AF65-F5344CB8AC3E}">
+        <p14:creationId xmlns:p14="http://schemas.microsoft.com/office/powerpoint/2010/main" val="3841991951"/>
+      </p:ext>
+    </p:extLst>
   </p:cSld>
   <p:clrMapOvr>
     <a:masterClrMapping/>
